--- a/LectureSlides/01Rust.pptx
+++ b/LectureSlides/01Rust.pptx
@@ -4,6 +4,9 @@
   <p:sldMasterIdLst>
     <p:sldMasterId id="2147483696" r:id="rId1"/>
   </p:sldMasterIdLst>
+  <p:notesMasterIdLst>
+    <p:notesMasterId r:id="rId66"/>
+  </p:notesMasterIdLst>
   <p:sldIdLst>
     <p:sldId id="256" r:id="rId2"/>
     <p:sldId id="319" r:id="rId3"/>
@@ -175,6 +178,355 @@
 </p:presentation>
 </file>
 
+<file path=ppt/notesMasters/notesMaster1.xml><?xml version="1.0" encoding="utf-8"?>
+<p:notesMaster xmlns:a="http://schemas.openxmlformats.org/drawingml/2006/main" xmlns:r="http://schemas.openxmlformats.org/officeDocument/2006/relationships" xmlns:p="http://schemas.openxmlformats.org/presentationml/2006/main">
+  <p:cSld>
+    <p:bg>
+      <p:bgRef idx="1001">
+        <a:schemeClr val="bg1"/>
+      </p:bgRef>
+    </p:bg>
+    <p:spTree>
+      <p:nvGrpSpPr>
+        <p:cNvPr id="1" name=""/>
+        <p:cNvGrpSpPr/>
+        <p:nvPr/>
+      </p:nvGrpSpPr>
+      <p:grpSpPr>
+        <a:xfrm>
+          <a:off x="0" y="0"/>
+          <a:ext cx="0" cy="0"/>
+          <a:chOff x="0" y="0"/>
+          <a:chExt cx="0" cy="0"/>
+        </a:xfrm>
+      </p:grpSpPr>
+      <p:sp>
+        <p:nvSpPr>
+          <p:cNvPr id="2" name="Header Placeholder 1"/>
+          <p:cNvSpPr>
+            <a:spLocks noGrp="1"/>
+          </p:cNvSpPr>
+          <p:nvPr>
+            <p:ph type="hdr" sz="quarter"/>
+          </p:nvPr>
+        </p:nvSpPr>
+        <p:spPr>
+          <a:xfrm>
+            <a:off x="0" y="0"/>
+            <a:ext cx="2971800" cy="458788"/>
+          </a:xfrm>
+          <a:prstGeom prst="rect">
+            <a:avLst/>
+          </a:prstGeom>
+        </p:spPr>
+        <p:txBody>
+          <a:bodyPr vert="horz" lIns="91440" tIns="45720" rIns="91440" bIns="45720" rtlCol="0"/>
+          <a:lstStyle>
+            <a:lvl1pPr algn="l">
+              <a:defRPr sz="1200"/>
+            </a:lvl1pPr>
+          </a:lstStyle>
+          <a:p>
+            <a:endParaRPr lang="en-US"/>
+          </a:p>
+        </p:txBody>
+      </p:sp>
+      <p:sp>
+        <p:nvSpPr>
+          <p:cNvPr id="3" name="Date Placeholder 2"/>
+          <p:cNvSpPr>
+            <a:spLocks noGrp="1"/>
+          </p:cNvSpPr>
+          <p:nvPr>
+            <p:ph type="dt" idx="1"/>
+          </p:nvPr>
+        </p:nvSpPr>
+        <p:spPr>
+          <a:xfrm>
+            <a:off x="3884613" y="0"/>
+            <a:ext cx="2971800" cy="458788"/>
+          </a:xfrm>
+          <a:prstGeom prst="rect">
+            <a:avLst/>
+          </a:prstGeom>
+        </p:spPr>
+        <p:txBody>
+          <a:bodyPr vert="horz" lIns="91440" tIns="45720" rIns="91440" bIns="45720" rtlCol="0"/>
+          <a:lstStyle>
+            <a:lvl1pPr algn="r">
+              <a:defRPr sz="1200"/>
+            </a:lvl1pPr>
+          </a:lstStyle>
+          <a:p>
+            <a:fld id="{1935A499-2718-4E21-9189-B225F36281DF}" type="datetimeFigureOut">
+              <a:rPr lang="en-US" smtClean="0"/>
+              <a:t>10/20/2024</a:t>
+            </a:fld>
+            <a:endParaRPr lang="en-US"/>
+          </a:p>
+        </p:txBody>
+      </p:sp>
+      <p:sp>
+        <p:nvSpPr>
+          <p:cNvPr id="4" name="Slide Image Placeholder 3"/>
+          <p:cNvSpPr>
+            <a:spLocks noGrp="1" noRot="1" noChangeAspect="1"/>
+          </p:cNvSpPr>
+          <p:nvPr>
+            <p:ph type="sldImg" idx="2"/>
+          </p:nvPr>
+        </p:nvSpPr>
+        <p:spPr>
+          <a:xfrm>
+            <a:off x="685800" y="1143000"/>
+            <a:ext cx="5486400" cy="3086100"/>
+          </a:xfrm>
+          <a:prstGeom prst="rect">
+            <a:avLst/>
+          </a:prstGeom>
+          <a:noFill/>
+          <a:ln w="12700">
+            <a:solidFill>
+              <a:prstClr val="black"/>
+            </a:solidFill>
+          </a:ln>
+        </p:spPr>
+        <p:txBody>
+          <a:bodyPr vert="horz" lIns="91440" tIns="45720" rIns="91440" bIns="45720" rtlCol="0" anchor="ctr"/>
+          <a:lstStyle/>
+          <a:p>
+            <a:endParaRPr lang="en-US"/>
+          </a:p>
+        </p:txBody>
+      </p:sp>
+      <p:sp>
+        <p:nvSpPr>
+          <p:cNvPr id="5" name="Notes Placeholder 4"/>
+          <p:cNvSpPr>
+            <a:spLocks noGrp="1"/>
+          </p:cNvSpPr>
+          <p:nvPr>
+            <p:ph type="body" sz="quarter" idx="3"/>
+          </p:nvPr>
+        </p:nvSpPr>
+        <p:spPr>
+          <a:xfrm>
+            <a:off x="685800" y="4400550"/>
+            <a:ext cx="5486400" cy="3600450"/>
+          </a:xfrm>
+          <a:prstGeom prst="rect">
+            <a:avLst/>
+          </a:prstGeom>
+        </p:spPr>
+        <p:txBody>
+          <a:bodyPr vert="horz" lIns="91440" tIns="45720" rIns="91440" bIns="45720" rtlCol="0"/>
+          <a:lstStyle/>
+          <a:p>
+            <a:pPr lvl="0"/>
+            <a:r>
+              <a:rPr lang="en-US"/>
+              <a:t>Click to edit Master text styles</a:t>
+            </a:r>
+          </a:p>
+          <a:p>
+            <a:pPr lvl="1"/>
+            <a:r>
+              <a:rPr lang="en-US"/>
+              <a:t>Second level</a:t>
+            </a:r>
+          </a:p>
+          <a:p>
+            <a:pPr lvl="2"/>
+            <a:r>
+              <a:rPr lang="en-US"/>
+              <a:t>Third level</a:t>
+            </a:r>
+          </a:p>
+          <a:p>
+            <a:pPr lvl="3"/>
+            <a:r>
+              <a:rPr lang="en-US"/>
+              <a:t>Fourth level</a:t>
+            </a:r>
+          </a:p>
+          <a:p>
+            <a:pPr lvl="4"/>
+            <a:r>
+              <a:rPr lang="en-US"/>
+              <a:t>Fifth level</a:t>
+            </a:r>
+          </a:p>
+        </p:txBody>
+      </p:sp>
+      <p:sp>
+        <p:nvSpPr>
+          <p:cNvPr id="6" name="Footer Placeholder 5"/>
+          <p:cNvSpPr>
+            <a:spLocks noGrp="1"/>
+          </p:cNvSpPr>
+          <p:nvPr>
+            <p:ph type="ftr" sz="quarter" idx="4"/>
+          </p:nvPr>
+        </p:nvSpPr>
+        <p:spPr>
+          <a:xfrm>
+            <a:off x="0" y="8685213"/>
+            <a:ext cx="2971800" cy="458787"/>
+          </a:xfrm>
+          <a:prstGeom prst="rect">
+            <a:avLst/>
+          </a:prstGeom>
+        </p:spPr>
+        <p:txBody>
+          <a:bodyPr vert="horz" lIns="91440" tIns="45720" rIns="91440" bIns="45720" rtlCol="0" anchor="b"/>
+          <a:lstStyle>
+            <a:lvl1pPr algn="l">
+              <a:defRPr sz="1200"/>
+            </a:lvl1pPr>
+          </a:lstStyle>
+          <a:p>
+            <a:endParaRPr lang="en-US"/>
+          </a:p>
+        </p:txBody>
+      </p:sp>
+      <p:sp>
+        <p:nvSpPr>
+          <p:cNvPr id="7" name="Slide Number Placeholder 6"/>
+          <p:cNvSpPr>
+            <a:spLocks noGrp="1"/>
+          </p:cNvSpPr>
+          <p:nvPr>
+            <p:ph type="sldNum" sz="quarter" idx="5"/>
+          </p:nvPr>
+        </p:nvSpPr>
+        <p:spPr>
+          <a:xfrm>
+            <a:off x="3884613" y="8685213"/>
+            <a:ext cx="2971800" cy="458787"/>
+          </a:xfrm>
+          <a:prstGeom prst="rect">
+            <a:avLst/>
+          </a:prstGeom>
+        </p:spPr>
+        <p:txBody>
+          <a:bodyPr vert="horz" lIns="91440" tIns="45720" rIns="91440" bIns="45720" rtlCol="0" anchor="b"/>
+          <a:lstStyle>
+            <a:lvl1pPr algn="r">
+              <a:defRPr sz="1200"/>
+            </a:lvl1pPr>
+          </a:lstStyle>
+          <a:p>
+            <a:fld id="{A8A8E143-7B91-4E29-B3AC-B46F89C6B615}" type="slidenum">
+              <a:rPr lang="en-US" smtClean="0"/>
+              <a:t>‹#›</a:t>
+            </a:fld>
+            <a:endParaRPr lang="en-US"/>
+          </a:p>
+        </p:txBody>
+      </p:sp>
+    </p:spTree>
+    <p:extLst>
+      <p:ext uri="{BB962C8B-B14F-4D97-AF65-F5344CB8AC3E}">
+        <p14:creationId xmlns:p14="http://schemas.microsoft.com/office/powerpoint/2010/main" val="2016568893"/>
+      </p:ext>
+    </p:extLst>
+  </p:cSld>
+  <p:clrMap bg1="lt1" tx1="dk1" bg2="lt2" tx2="dk2" accent1="accent1" accent2="accent2" accent3="accent3" accent4="accent4" accent5="accent5" accent6="accent6" hlink="hlink" folHlink="folHlink"/>
+  <p:notesStyle>
+    <a:lvl1pPr marL="0" algn="l" defTabSz="914400" rtl="0" eaLnBrk="1" latinLnBrk="0" hangingPunct="1">
+      <a:defRPr sz="1200" kern="1200">
+        <a:solidFill>
+          <a:schemeClr val="tx1"/>
+        </a:solidFill>
+        <a:latin typeface="+mn-lt"/>
+        <a:ea typeface="+mn-ea"/>
+        <a:cs typeface="+mn-cs"/>
+      </a:defRPr>
+    </a:lvl1pPr>
+    <a:lvl2pPr marL="457200" algn="l" defTabSz="914400" rtl="0" eaLnBrk="1" latinLnBrk="0" hangingPunct="1">
+      <a:defRPr sz="1200" kern="1200">
+        <a:solidFill>
+          <a:schemeClr val="tx1"/>
+        </a:solidFill>
+        <a:latin typeface="+mn-lt"/>
+        <a:ea typeface="+mn-ea"/>
+        <a:cs typeface="+mn-cs"/>
+      </a:defRPr>
+    </a:lvl2pPr>
+    <a:lvl3pPr marL="914400" algn="l" defTabSz="914400" rtl="0" eaLnBrk="1" latinLnBrk="0" hangingPunct="1">
+      <a:defRPr sz="1200" kern="1200">
+        <a:solidFill>
+          <a:schemeClr val="tx1"/>
+        </a:solidFill>
+        <a:latin typeface="+mn-lt"/>
+        <a:ea typeface="+mn-ea"/>
+        <a:cs typeface="+mn-cs"/>
+      </a:defRPr>
+    </a:lvl3pPr>
+    <a:lvl4pPr marL="1371600" algn="l" defTabSz="914400" rtl="0" eaLnBrk="1" latinLnBrk="0" hangingPunct="1">
+      <a:defRPr sz="1200" kern="1200">
+        <a:solidFill>
+          <a:schemeClr val="tx1"/>
+        </a:solidFill>
+        <a:latin typeface="+mn-lt"/>
+        <a:ea typeface="+mn-ea"/>
+        <a:cs typeface="+mn-cs"/>
+      </a:defRPr>
+    </a:lvl4pPr>
+    <a:lvl5pPr marL="1828800" algn="l" defTabSz="914400" rtl="0" eaLnBrk="1" latinLnBrk="0" hangingPunct="1">
+      <a:defRPr sz="1200" kern="1200">
+        <a:solidFill>
+          <a:schemeClr val="tx1"/>
+        </a:solidFill>
+        <a:latin typeface="+mn-lt"/>
+        <a:ea typeface="+mn-ea"/>
+        <a:cs typeface="+mn-cs"/>
+      </a:defRPr>
+    </a:lvl5pPr>
+    <a:lvl6pPr marL="2286000" algn="l" defTabSz="914400" rtl="0" eaLnBrk="1" latinLnBrk="0" hangingPunct="1">
+      <a:defRPr sz="1200" kern="1200">
+        <a:solidFill>
+          <a:schemeClr val="tx1"/>
+        </a:solidFill>
+        <a:latin typeface="+mn-lt"/>
+        <a:ea typeface="+mn-ea"/>
+        <a:cs typeface="+mn-cs"/>
+      </a:defRPr>
+    </a:lvl6pPr>
+    <a:lvl7pPr marL="2743200" algn="l" defTabSz="914400" rtl="0" eaLnBrk="1" latinLnBrk="0" hangingPunct="1">
+      <a:defRPr sz="1200" kern="1200">
+        <a:solidFill>
+          <a:schemeClr val="tx1"/>
+        </a:solidFill>
+        <a:latin typeface="+mn-lt"/>
+        <a:ea typeface="+mn-ea"/>
+        <a:cs typeface="+mn-cs"/>
+      </a:defRPr>
+    </a:lvl7pPr>
+    <a:lvl8pPr marL="3200400" algn="l" defTabSz="914400" rtl="0" eaLnBrk="1" latinLnBrk="0" hangingPunct="1">
+      <a:defRPr sz="1200" kern="1200">
+        <a:solidFill>
+          <a:schemeClr val="tx1"/>
+        </a:solidFill>
+        <a:latin typeface="+mn-lt"/>
+        <a:ea typeface="+mn-ea"/>
+        <a:cs typeface="+mn-cs"/>
+      </a:defRPr>
+    </a:lvl8pPr>
+    <a:lvl9pPr marL="3657600" algn="l" defTabSz="914400" rtl="0" eaLnBrk="1" latinLnBrk="0" hangingPunct="1">
+      <a:defRPr sz="1200" kern="1200">
+        <a:solidFill>
+          <a:schemeClr val="tx1"/>
+        </a:solidFill>
+        <a:latin typeface="+mn-lt"/>
+        <a:ea typeface="+mn-ea"/>
+        <a:cs typeface="+mn-cs"/>
+      </a:defRPr>
+    </a:lvl9pPr>
+  </p:notesStyle>
+</p:notesMaster>
+</file>
+
 <file path=ppt/slideLayouts/slideLayout1.xml><?xml version="1.0" encoding="utf-8"?>
 <p:sldLayout xmlns:a="http://schemas.openxmlformats.org/drawingml/2006/main" xmlns:r="http://schemas.openxmlformats.org/officeDocument/2006/relationships" xmlns:p="http://schemas.openxmlformats.org/presentationml/2006/main" showMasterSp="0" type="title" preserve="1">
   <p:cSld name="Title Slide">
@@ -397,9 +749,9 @@
           <a:bodyPr/>
           <a:lstStyle/>
           <a:p>
-            <a:fld id="{DF0DA02A-3D36-4521-B995-F6A931B35345}" type="datetimeFigureOut">
+            <a:fld id="{7ED1D969-CA5A-4E7D-8836-6A861131C5DB}" type="datetime1">
               <a:rPr lang="en-US" smtClean="0"/>
-              <a:t>10/18/2024</a:t>
+              <a:t>10/20/2024</a:t>
             </a:fld>
             <a:endParaRPr lang="en-US"/>
           </a:p>
@@ -605,9 +957,9 @@
           <a:bodyPr/>
           <a:lstStyle/>
           <a:p>
-            <a:fld id="{DF0DA02A-3D36-4521-B995-F6A931B35345}" type="datetimeFigureOut">
+            <a:fld id="{B50A2AF3-6851-4BD6-A66F-DDC658668A9B}" type="datetime1">
               <a:rPr lang="en-US" smtClean="0"/>
-              <a:t>10/18/2024</a:t>
+              <a:t>10/20/2024</a:t>
             </a:fld>
             <a:endParaRPr lang="en-US"/>
           </a:p>
@@ -861,9 +1213,9 @@
           <a:bodyPr/>
           <a:lstStyle/>
           <a:p>
-            <a:fld id="{DF0DA02A-3D36-4521-B995-F6A931B35345}" type="datetimeFigureOut">
+            <a:fld id="{CA18A463-958C-4F4B-8E9C-5DBAA4CBA575}" type="datetime1">
               <a:rPr lang="en-US" smtClean="0"/>
-              <a:t>10/18/2024</a:t>
+              <a:t>10/20/2024</a:t>
             </a:fld>
             <a:endParaRPr lang="en-US"/>
           </a:p>
@@ -1046,9 +1398,9 @@
           <a:bodyPr/>
           <a:lstStyle/>
           <a:p>
-            <a:fld id="{DF0DA02A-3D36-4521-B995-F6A931B35345}" type="datetimeFigureOut">
+            <a:fld id="{F0F6E17C-61BF-4395-9125-421877C95553}" type="datetime1">
               <a:rPr lang="en-US" smtClean="0"/>
-              <a:t>10/18/2024</a:t>
+              <a:t>10/20/2024</a:t>
             </a:fld>
             <a:endParaRPr lang="en-US"/>
           </a:p>
@@ -1389,9 +1741,9 @@
           <a:bodyPr/>
           <a:lstStyle/>
           <a:p>
-            <a:fld id="{DF0DA02A-3D36-4521-B995-F6A931B35345}" type="datetimeFigureOut">
+            <a:fld id="{BA04B332-5926-4D67-B0C7-844DF0D44CC6}" type="datetime1">
               <a:rPr lang="en-US" smtClean="0"/>
-              <a:t>10/18/2024</a:t>
+              <a:t>10/20/2024</a:t>
             </a:fld>
             <a:endParaRPr lang="en-US"/>
           </a:p>
@@ -1694,9 +2046,9 @@
           <a:bodyPr/>
           <a:lstStyle/>
           <a:p>
-            <a:fld id="{DF0DA02A-3D36-4521-B995-F6A931B35345}" type="datetimeFigureOut">
+            <a:fld id="{89E0283A-0129-4F5B-A65A-7EF536522C87}" type="datetime1">
               <a:rPr lang="en-US" smtClean="0"/>
-              <a:t>10/18/2024</a:t>
+              <a:t>10/20/2024</a:t>
             </a:fld>
             <a:endParaRPr lang="en-US"/>
           </a:p>
@@ -2103,9 +2455,9 @@
           <a:bodyPr/>
           <a:lstStyle/>
           <a:p>
-            <a:fld id="{DF0DA02A-3D36-4521-B995-F6A931B35345}" type="datetimeFigureOut">
+            <a:fld id="{780EB0A3-576D-48C6-BD4C-0E155D216784}" type="datetime1">
               <a:rPr lang="en-US" smtClean="0"/>
-              <a:t>10/18/2024</a:t>
+              <a:t>10/20/2024</a:t>
             </a:fld>
             <a:endParaRPr lang="en-US"/>
           </a:p>
@@ -2221,9 +2573,9 @@
           <a:bodyPr/>
           <a:lstStyle/>
           <a:p>
-            <a:fld id="{DF0DA02A-3D36-4521-B995-F6A931B35345}" type="datetimeFigureOut">
+            <a:fld id="{86DFE706-FE72-4D96-9E36-C798828A3102}" type="datetime1">
               <a:rPr lang="en-US" smtClean="0"/>
-              <a:t>10/18/2024</a:t>
+              <a:t>10/20/2024</a:t>
             </a:fld>
             <a:endParaRPr lang="en-US"/>
           </a:p>
@@ -2392,9 +2744,9 @@
           <a:bodyPr/>
           <a:lstStyle/>
           <a:p>
-            <a:fld id="{DF0DA02A-3D36-4521-B995-F6A931B35345}" type="datetimeFigureOut">
+            <a:fld id="{21752048-6F10-4768-8FEB-297451A84156}" type="datetime1">
               <a:rPr lang="en-US" smtClean="0"/>
-              <a:t>10/18/2024</a:t>
+              <a:t>10/20/2024</a:t>
             </a:fld>
             <a:endParaRPr lang="en-US"/>
           </a:p>
@@ -2761,9 +3113,9 @@
             </a:lvl1pPr>
           </a:lstStyle>
           <a:p>
-            <a:fld id="{DF0DA02A-3D36-4521-B995-F6A931B35345}" type="datetimeFigureOut">
+            <a:fld id="{5D664C85-27CA-4FBF-93CB-D51A4A471E07}" type="datetime1">
               <a:rPr lang="en-US" smtClean="0"/>
-              <a:t>10/18/2024</a:t>
+              <a:t>10/20/2024</a:t>
             </a:fld>
             <a:endParaRPr lang="en-US"/>
           </a:p>
@@ -3138,9 +3490,9 @@
           <a:bodyPr/>
           <a:lstStyle/>
           <a:p>
-            <a:fld id="{DF0DA02A-3D36-4521-B995-F6A931B35345}" type="datetimeFigureOut">
+            <a:fld id="{00AB68AE-60DD-46B6-88A6-96C02864976B}" type="datetime1">
               <a:rPr lang="en-US" smtClean="0"/>
-              <a:t>10/18/2024</a:t>
+              <a:t>10/20/2024</a:t>
             </a:fld>
             <a:endParaRPr lang="en-US"/>
           </a:p>
@@ -3425,9 +3777,9 @@
             </a:lvl1pPr>
           </a:lstStyle>
           <a:p>
-            <a:fld id="{DF0DA02A-3D36-4521-B995-F6A931B35345}" type="datetimeFigureOut">
+            <a:fld id="{AF6C9163-F6B6-4F39-BAFE-DE93E258B06B}" type="datetime1">
               <a:rPr lang="en-US" smtClean="0"/>
-              <a:t>10/18/2024</a:t>
+              <a:t>10/20/2024</a:t>
             </a:fld>
             <a:endParaRPr lang="en-US"/>
           </a:p>
@@ -3566,6 +3918,7 @@
     <p:sldLayoutId id="2147483706" r:id="rId10"/>
     <p:sldLayoutId id="2147483707" r:id="rId11"/>
   </p:sldLayoutIdLst>
+  <p:hf hdr="0" ftr="0" dt="0"/>
   <p:txStyles>
     <p:titleStyle>
       <a:lvl1pPr algn="l" defTabSz="914400" rtl="0" eaLnBrk="1" latinLnBrk="0" hangingPunct="1">
@@ -4030,6 +4383,35 @@
           </a:p>
         </p:txBody>
       </p:sp>
+      <p:sp>
+        <p:nvSpPr>
+          <p:cNvPr id="4" name="Slide Number Placeholder 3">
+            <a:extLst>
+              <a:ext uri="{FF2B5EF4-FFF2-40B4-BE49-F238E27FC236}">
+                <a16:creationId xmlns:a16="http://schemas.microsoft.com/office/drawing/2014/main" id="{458742C1-7268-BD80-B74E-260CCCFB32B5}"/>
+              </a:ext>
+            </a:extLst>
+          </p:cNvPr>
+          <p:cNvSpPr>
+            <a:spLocks noGrp="1"/>
+          </p:cNvSpPr>
+          <p:nvPr>
+            <p:ph type="sldNum" sz="quarter" idx="12"/>
+          </p:nvPr>
+        </p:nvSpPr>
+        <p:spPr/>
+        <p:txBody>
+          <a:bodyPr/>
+          <a:lstStyle/>
+          <a:p>
+            <a:fld id="{9BF27F29-4B64-4A24-936A-FF41C34C242B}" type="slidenum">
+              <a:rPr lang="en-US" smtClean="0"/>
+              <a:t>1</a:t>
+            </a:fld>
+            <a:endParaRPr lang="en-US"/>
+          </a:p>
+        </p:txBody>
+      </p:sp>
     </p:spTree>
     <p:extLst>
       <p:ext uri="{BB962C8B-B14F-4D97-AF65-F5344CB8AC3E}">
@@ -4247,6 +4629,35 @@
           </a:p>
         </p:txBody>
       </p:sp>
+      <p:sp>
+        <p:nvSpPr>
+          <p:cNvPr id="4" name="Slide Number Placeholder 3">
+            <a:extLst>
+              <a:ext uri="{FF2B5EF4-FFF2-40B4-BE49-F238E27FC236}">
+                <a16:creationId xmlns:a16="http://schemas.microsoft.com/office/drawing/2014/main" id="{057FB2CE-5BA1-C705-BE14-038CD26FC4BB}"/>
+              </a:ext>
+            </a:extLst>
+          </p:cNvPr>
+          <p:cNvSpPr>
+            <a:spLocks noGrp="1"/>
+          </p:cNvSpPr>
+          <p:nvPr>
+            <p:ph type="sldNum" sz="quarter" idx="12"/>
+          </p:nvPr>
+        </p:nvSpPr>
+        <p:spPr/>
+        <p:txBody>
+          <a:bodyPr/>
+          <a:lstStyle/>
+          <a:p>
+            <a:fld id="{9BF27F29-4B64-4A24-936A-FF41C34C242B}" type="slidenum">
+              <a:rPr lang="en-US" smtClean="0"/>
+              <a:t>10</a:t>
+            </a:fld>
+            <a:endParaRPr lang="en-US"/>
+          </a:p>
+        </p:txBody>
+      </p:sp>
     </p:spTree>
     <p:extLst>
       <p:ext uri="{BB962C8B-B14F-4D97-AF65-F5344CB8AC3E}">
@@ -4361,6 +4772,35 @@
           </a:p>
         </p:txBody>
       </p:sp>
+      <p:sp>
+        <p:nvSpPr>
+          <p:cNvPr id="4" name="Slide Number Placeholder 3">
+            <a:extLst>
+              <a:ext uri="{FF2B5EF4-FFF2-40B4-BE49-F238E27FC236}">
+                <a16:creationId xmlns:a16="http://schemas.microsoft.com/office/drawing/2014/main" id="{C34F8003-1D03-17C8-3D89-CCA0E1AB220A}"/>
+              </a:ext>
+            </a:extLst>
+          </p:cNvPr>
+          <p:cNvSpPr>
+            <a:spLocks noGrp="1"/>
+          </p:cNvSpPr>
+          <p:nvPr>
+            <p:ph type="sldNum" sz="quarter" idx="12"/>
+          </p:nvPr>
+        </p:nvSpPr>
+        <p:spPr/>
+        <p:txBody>
+          <a:bodyPr/>
+          <a:lstStyle/>
+          <a:p>
+            <a:fld id="{9BF27F29-4B64-4A24-936A-FF41C34C242B}" type="slidenum">
+              <a:rPr lang="en-US" smtClean="0"/>
+              <a:t>11</a:t>
+            </a:fld>
+            <a:endParaRPr lang="en-US"/>
+          </a:p>
+        </p:txBody>
+      </p:sp>
     </p:spTree>
     <p:extLst>
       <p:ext uri="{BB962C8B-B14F-4D97-AF65-F5344CB8AC3E}">
@@ -4576,6 +5016,35 @@
           </a:p>
         </p:txBody>
       </p:sp>
+      <p:sp>
+        <p:nvSpPr>
+          <p:cNvPr id="4" name="Slide Number Placeholder 3">
+            <a:extLst>
+              <a:ext uri="{FF2B5EF4-FFF2-40B4-BE49-F238E27FC236}">
+                <a16:creationId xmlns:a16="http://schemas.microsoft.com/office/drawing/2014/main" id="{93008FD1-1225-50FD-98CF-8882F4155EC1}"/>
+              </a:ext>
+            </a:extLst>
+          </p:cNvPr>
+          <p:cNvSpPr>
+            <a:spLocks noGrp="1"/>
+          </p:cNvSpPr>
+          <p:nvPr>
+            <p:ph type="sldNum" sz="quarter" idx="12"/>
+          </p:nvPr>
+        </p:nvSpPr>
+        <p:spPr/>
+        <p:txBody>
+          <a:bodyPr/>
+          <a:lstStyle/>
+          <a:p>
+            <a:fld id="{9BF27F29-4B64-4A24-936A-FF41C34C242B}" type="slidenum">
+              <a:rPr lang="en-US" smtClean="0"/>
+              <a:t>12</a:t>
+            </a:fld>
+            <a:endParaRPr lang="en-US"/>
+          </a:p>
+        </p:txBody>
+      </p:sp>
     </p:spTree>
     <p:extLst>
       <p:ext uri="{BB962C8B-B14F-4D97-AF65-F5344CB8AC3E}">
@@ -4721,6 +5190,35 @@
           </a:p>
         </p:txBody>
       </p:sp>
+      <p:sp>
+        <p:nvSpPr>
+          <p:cNvPr id="4" name="Slide Number Placeholder 3">
+            <a:extLst>
+              <a:ext uri="{FF2B5EF4-FFF2-40B4-BE49-F238E27FC236}">
+                <a16:creationId xmlns:a16="http://schemas.microsoft.com/office/drawing/2014/main" id="{37D27038-1173-1E37-B8C6-81F8321F257D}"/>
+              </a:ext>
+            </a:extLst>
+          </p:cNvPr>
+          <p:cNvSpPr>
+            <a:spLocks noGrp="1"/>
+          </p:cNvSpPr>
+          <p:nvPr>
+            <p:ph type="sldNum" sz="quarter" idx="12"/>
+          </p:nvPr>
+        </p:nvSpPr>
+        <p:spPr/>
+        <p:txBody>
+          <a:bodyPr/>
+          <a:lstStyle/>
+          <a:p>
+            <a:fld id="{9BF27F29-4B64-4A24-936A-FF41C34C242B}" type="slidenum">
+              <a:rPr lang="en-US" smtClean="0"/>
+              <a:t>13</a:t>
+            </a:fld>
+            <a:endParaRPr lang="en-US"/>
+          </a:p>
+        </p:txBody>
+      </p:sp>
     </p:spTree>
     <p:extLst>
       <p:ext uri="{BB962C8B-B14F-4D97-AF65-F5344CB8AC3E}">
@@ -4905,6 +5403,35 @@
           </a:p>
         </p:txBody>
       </p:sp>
+      <p:sp>
+        <p:nvSpPr>
+          <p:cNvPr id="4" name="Slide Number Placeholder 3">
+            <a:extLst>
+              <a:ext uri="{FF2B5EF4-FFF2-40B4-BE49-F238E27FC236}">
+                <a16:creationId xmlns:a16="http://schemas.microsoft.com/office/drawing/2014/main" id="{08E482B9-2888-519B-D023-43D518E94F8F}"/>
+              </a:ext>
+            </a:extLst>
+          </p:cNvPr>
+          <p:cNvSpPr>
+            <a:spLocks noGrp="1"/>
+          </p:cNvSpPr>
+          <p:nvPr>
+            <p:ph type="sldNum" sz="quarter" idx="12"/>
+          </p:nvPr>
+        </p:nvSpPr>
+        <p:spPr/>
+        <p:txBody>
+          <a:bodyPr/>
+          <a:lstStyle/>
+          <a:p>
+            <a:fld id="{9BF27F29-4B64-4A24-936A-FF41C34C242B}" type="slidenum">
+              <a:rPr lang="en-US" smtClean="0"/>
+              <a:t>14</a:t>
+            </a:fld>
+            <a:endParaRPr lang="en-US"/>
+          </a:p>
+        </p:txBody>
+      </p:sp>
     </p:spTree>
     <p:extLst>
       <p:ext uri="{BB962C8B-B14F-4D97-AF65-F5344CB8AC3E}">
@@ -5068,6 +5595,35 @@
           </a:p>
         </p:txBody>
       </p:sp>
+      <p:sp>
+        <p:nvSpPr>
+          <p:cNvPr id="4" name="Slide Number Placeholder 3">
+            <a:extLst>
+              <a:ext uri="{FF2B5EF4-FFF2-40B4-BE49-F238E27FC236}">
+                <a16:creationId xmlns:a16="http://schemas.microsoft.com/office/drawing/2014/main" id="{43826F5F-1A50-66F5-5A85-A44670A54FB9}"/>
+              </a:ext>
+            </a:extLst>
+          </p:cNvPr>
+          <p:cNvSpPr>
+            <a:spLocks noGrp="1"/>
+          </p:cNvSpPr>
+          <p:nvPr>
+            <p:ph type="sldNum" sz="quarter" idx="12"/>
+          </p:nvPr>
+        </p:nvSpPr>
+        <p:spPr/>
+        <p:txBody>
+          <a:bodyPr/>
+          <a:lstStyle/>
+          <a:p>
+            <a:fld id="{9BF27F29-4B64-4A24-936A-FF41C34C242B}" type="slidenum">
+              <a:rPr lang="en-US" smtClean="0"/>
+              <a:t>15</a:t>
+            </a:fld>
+            <a:endParaRPr lang="en-US"/>
+          </a:p>
+        </p:txBody>
+      </p:sp>
     </p:spTree>
     <p:extLst>
       <p:ext uri="{BB962C8B-B14F-4D97-AF65-F5344CB8AC3E}">
@@ -5190,6 +5746,35 @@
           </a:p>
         </p:txBody>
       </p:sp>
+      <p:sp>
+        <p:nvSpPr>
+          <p:cNvPr id="4" name="Slide Number Placeholder 3">
+            <a:extLst>
+              <a:ext uri="{FF2B5EF4-FFF2-40B4-BE49-F238E27FC236}">
+                <a16:creationId xmlns:a16="http://schemas.microsoft.com/office/drawing/2014/main" id="{28B1F093-3B98-B1B5-89CC-7A3A0F47F965}"/>
+              </a:ext>
+            </a:extLst>
+          </p:cNvPr>
+          <p:cNvSpPr>
+            <a:spLocks noGrp="1"/>
+          </p:cNvSpPr>
+          <p:nvPr>
+            <p:ph type="sldNum" sz="quarter" idx="12"/>
+          </p:nvPr>
+        </p:nvSpPr>
+        <p:spPr/>
+        <p:txBody>
+          <a:bodyPr/>
+          <a:lstStyle/>
+          <a:p>
+            <a:fld id="{9BF27F29-4B64-4A24-936A-FF41C34C242B}" type="slidenum">
+              <a:rPr lang="en-US" smtClean="0"/>
+              <a:t>16</a:t>
+            </a:fld>
+            <a:endParaRPr lang="en-US"/>
+          </a:p>
+        </p:txBody>
+      </p:sp>
     </p:spTree>
     <p:extLst>
       <p:ext uri="{BB962C8B-B14F-4D97-AF65-F5344CB8AC3E}">
@@ -5306,6 +5891,35 @@
           </a:p>
         </p:txBody>
       </p:sp>
+      <p:sp>
+        <p:nvSpPr>
+          <p:cNvPr id="4" name="Slide Number Placeholder 3">
+            <a:extLst>
+              <a:ext uri="{FF2B5EF4-FFF2-40B4-BE49-F238E27FC236}">
+                <a16:creationId xmlns:a16="http://schemas.microsoft.com/office/drawing/2014/main" id="{388AA405-B7F3-0BBA-8C57-5261FFC359A1}"/>
+              </a:ext>
+            </a:extLst>
+          </p:cNvPr>
+          <p:cNvSpPr>
+            <a:spLocks noGrp="1"/>
+          </p:cNvSpPr>
+          <p:nvPr>
+            <p:ph type="sldNum" sz="quarter" idx="12"/>
+          </p:nvPr>
+        </p:nvSpPr>
+        <p:spPr/>
+        <p:txBody>
+          <a:bodyPr/>
+          <a:lstStyle/>
+          <a:p>
+            <a:fld id="{9BF27F29-4B64-4A24-936A-FF41C34C242B}" type="slidenum">
+              <a:rPr lang="en-US" smtClean="0"/>
+              <a:t>17</a:t>
+            </a:fld>
+            <a:endParaRPr lang="en-US"/>
+          </a:p>
+        </p:txBody>
+      </p:sp>
     </p:spTree>
     <p:extLst>
       <p:ext uri="{BB962C8B-B14F-4D97-AF65-F5344CB8AC3E}">
@@ -5446,6 +6060,35 @@
           </a:p>
         </p:txBody>
       </p:sp>
+      <p:sp>
+        <p:nvSpPr>
+          <p:cNvPr id="4" name="Slide Number Placeholder 3">
+            <a:extLst>
+              <a:ext uri="{FF2B5EF4-FFF2-40B4-BE49-F238E27FC236}">
+                <a16:creationId xmlns:a16="http://schemas.microsoft.com/office/drawing/2014/main" id="{22141ACC-FF07-A5FE-84CB-5AEB30AAFD31}"/>
+              </a:ext>
+            </a:extLst>
+          </p:cNvPr>
+          <p:cNvSpPr>
+            <a:spLocks noGrp="1"/>
+          </p:cNvSpPr>
+          <p:nvPr>
+            <p:ph type="sldNum" sz="quarter" idx="12"/>
+          </p:nvPr>
+        </p:nvSpPr>
+        <p:spPr/>
+        <p:txBody>
+          <a:bodyPr/>
+          <a:lstStyle/>
+          <a:p>
+            <a:fld id="{9BF27F29-4B64-4A24-936A-FF41C34C242B}" type="slidenum">
+              <a:rPr lang="en-US" smtClean="0"/>
+              <a:t>18</a:t>
+            </a:fld>
+            <a:endParaRPr lang="en-US"/>
+          </a:p>
+        </p:txBody>
+      </p:sp>
     </p:spTree>
     <p:extLst>
       <p:ext uri="{BB962C8B-B14F-4D97-AF65-F5344CB8AC3E}">
@@ -5609,6 +6252,35 @@
           </a:p>
         </p:txBody>
       </p:sp>
+      <p:sp>
+        <p:nvSpPr>
+          <p:cNvPr id="4" name="Slide Number Placeholder 3">
+            <a:extLst>
+              <a:ext uri="{FF2B5EF4-FFF2-40B4-BE49-F238E27FC236}">
+                <a16:creationId xmlns:a16="http://schemas.microsoft.com/office/drawing/2014/main" id="{E5004731-1499-B7F8-B61A-744C8D6E4287}"/>
+              </a:ext>
+            </a:extLst>
+          </p:cNvPr>
+          <p:cNvSpPr>
+            <a:spLocks noGrp="1"/>
+          </p:cNvSpPr>
+          <p:nvPr>
+            <p:ph type="sldNum" sz="quarter" idx="12"/>
+          </p:nvPr>
+        </p:nvSpPr>
+        <p:spPr/>
+        <p:txBody>
+          <a:bodyPr/>
+          <a:lstStyle/>
+          <a:p>
+            <a:fld id="{9BF27F29-4B64-4A24-936A-FF41C34C242B}" type="slidenum">
+              <a:rPr lang="en-US" smtClean="0"/>
+              <a:t>19</a:t>
+            </a:fld>
+            <a:endParaRPr lang="en-US"/>
+          </a:p>
+        </p:txBody>
+      </p:sp>
     </p:spTree>
     <p:extLst>
       <p:ext uri="{BB962C8B-B14F-4D97-AF65-F5344CB8AC3E}">
@@ -5737,6 +6409,35 @@
           </a:p>
         </p:txBody>
       </p:sp>
+      <p:sp>
+        <p:nvSpPr>
+          <p:cNvPr id="4" name="Slide Number Placeholder 3">
+            <a:extLst>
+              <a:ext uri="{FF2B5EF4-FFF2-40B4-BE49-F238E27FC236}">
+                <a16:creationId xmlns:a16="http://schemas.microsoft.com/office/drawing/2014/main" id="{E540A87F-6195-BFAA-117F-2FB26AA50ADA}"/>
+              </a:ext>
+            </a:extLst>
+          </p:cNvPr>
+          <p:cNvSpPr>
+            <a:spLocks noGrp="1"/>
+          </p:cNvSpPr>
+          <p:nvPr>
+            <p:ph type="sldNum" sz="quarter" idx="12"/>
+          </p:nvPr>
+        </p:nvSpPr>
+        <p:spPr/>
+        <p:txBody>
+          <a:bodyPr/>
+          <a:lstStyle/>
+          <a:p>
+            <a:fld id="{9BF27F29-4B64-4A24-936A-FF41C34C242B}" type="slidenum">
+              <a:rPr lang="en-US" smtClean="0"/>
+              <a:t>2</a:t>
+            </a:fld>
+            <a:endParaRPr lang="en-US"/>
+          </a:p>
+        </p:txBody>
+      </p:sp>
     </p:spTree>
     <p:extLst>
       <p:ext uri="{BB962C8B-B14F-4D97-AF65-F5344CB8AC3E}">
@@ -5958,6 +6659,35 @@
           </a:p>
         </p:txBody>
       </p:sp>
+      <p:sp>
+        <p:nvSpPr>
+          <p:cNvPr id="4" name="Slide Number Placeholder 3">
+            <a:extLst>
+              <a:ext uri="{FF2B5EF4-FFF2-40B4-BE49-F238E27FC236}">
+                <a16:creationId xmlns:a16="http://schemas.microsoft.com/office/drawing/2014/main" id="{4BCFA1A8-F819-4604-4EB5-CCBF9DC23016}"/>
+              </a:ext>
+            </a:extLst>
+          </p:cNvPr>
+          <p:cNvSpPr>
+            <a:spLocks noGrp="1"/>
+          </p:cNvSpPr>
+          <p:nvPr>
+            <p:ph type="sldNum" sz="quarter" idx="12"/>
+          </p:nvPr>
+        </p:nvSpPr>
+        <p:spPr/>
+        <p:txBody>
+          <a:bodyPr/>
+          <a:lstStyle/>
+          <a:p>
+            <a:fld id="{9BF27F29-4B64-4A24-936A-FF41C34C242B}" type="slidenum">
+              <a:rPr lang="en-US" smtClean="0"/>
+              <a:t>20</a:t>
+            </a:fld>
+            <a:endParaRPr lang="en-US"/>
+          </a:p>
+        </p:txBody>
+      </p:sp>
     </p:spTree>
     <p:extLst>
       <p:ext uri="{BB962C8B-B14F-4D97-AF65-F5344CB8AC3E}">
@@ -6107,6 +6837,35 @@
           </a:p>
         </p:txBody>
       </p:sp>
+      <p:sp>
+        <p:nvSpPr>
+          <p:cNvPr id="4" name="Slide Number Placeholder 3">
+            <a:extLst>
+              <a:ext uri="{FF2B5EF4-FFF2-40B4-BE49-F238E27FC236}">
+                <a16:creationId xmlns:a16="http://schemas.microsoft.com/office/drawing/2014/main" id="{C09F6787-E851-CD2F-B10B-5D3545B3EE16}"/>
+              </a:ext>
+            </a:extLst>
+          </p:cNvPr>
+          <p:cNvSpPr>
+            <a:spLocks noGrp="1"/>
+          </p:cNvSpPr>
+          <p:nvPr>
+            <p:ph type="sldNum" sz="quarter" idx="12"/>
+          </p:nvPr>
+        </p:nvSpPr>
+        <p:spPr/>
+        <p:txBody>
+          <a:bodyPr/>
+          <a:lstStyle/>
+          <a:p>
+            <a:fld id="{9BF27F29-4B64-4A24-936A-FF41C34C242B}" type="slidenum">
+              <a:rPr lang="en-US" smtClean="0"/>
+              <a:t>21</a:t>
+            </a:fld>
+            <a:endParaRPr lang="en-US"/>
+          </a:p>
+        </p:txBody>
+      </p:sp>
     </p:spTree>
     <p:extLst>
       <p:ext uri="{BB962C8B-B14F-4D97-AF65-F5344CB8AC3E}">
@@ -6362,6 +7121,35 @@
             <a:endParaRPr lang="en-US" sz="2800" dirty="0">
               <a:latin typeface="Consolas" panose="020B0609020204030204" pitchFamily="49" charset="0"/>
             </a:endParaRPr>
+          </a:p>
+        </p:txBody>
+      </p:sp>
+      <p:sp>
+        <p:nvSpPr>
+          <p:cNvPr id="5" name="Slide Number Placeholder 4">
+            <a:extLst>
+              <a:ext uri="{FF2B5EF4-FFF2-40B4-BE49-F238E27FC236}">
+                <a16:creationId xmlns:a16="http://schemas.microsoft.com/office/drawing/2014/main" id="{E0735F77-0E56-57CB-9832-D0307ED07250}"/>
+              </a:ext>
+            </a:extLst>
+          </p:cNvPr>
+          <p:cNvSpPr>
+            <a:spLocks noGrp="1"/>
+          </p:cNvSpPr>
+          <p:nvPr>
+            <p:ph type="sldNum" sz="quarter" idx="12"/>
+          </p:nvPr>
+        </p:nvSpPr>
+        <p:spPr/>
+        <p:txBody>
+          <a:bodyPr/>
+          <a:lstStyle/>
+          <a:p>
+            <a:fld id="{9BF27F29-4B64-4A24-936A-FF41C34C242B}" type="slidenum">
+              <a:rPr lang="en-US" smtClean="0"/>
+              <a:t>22</a:t>
+            </a:fld>
+            <a:endParaRPr lang="en-US"/>
           </a:p>
         </p:txBody>
       </p:sp>
@@ -6827,6 +7615,35 @@
           </a:p>
         </p:txBody>
       </p:sp>
+      <p:sp>
+        <p:nvSpPr>
+          <p:cNvPr id="4" name="Slide Number Placeholder 3">
+            <a:extLst>
+              <a:ext uri="{FF2B5EF4-FFF2-40B4-BE49-F238E27FC236}">
+                <a16:creationId xmlns:a16="http://schemas.microsoft.com/office/drawing/2014/main" id="{269DEEA7-DCBB-7D42-C732-399B349DF28C}"/>
+              </a:ext>
+            </a:extLst>
+          </p:cNvPr>
+          <p:cNvSpPr>
+            <a:spLocks noGrp="1"/>
+          </p:cNvSpPr>
+          <p:nvPr>
+            <p:ph type="sldNum" sz="quarter" idx="12"/>
+          </p:nvPr>
+        </p:nvSpPr>
+        <p:spPr/>
+        <p:txBody>
+          <a:bodyPr/>
+          <a:lstStyle/>
+          <a:p>
+            <a:fld id="{9BF27F29-4B64-4A24-936A-FF41C34C242B}" type="slidenum">
+              <a:rPr lang="en-US" smtClean="0"/>
+              <a:t>23</a:t>
+            </a:fld>
+            <a:endParaRPr lang="en-US"/>
+          </a:p>
+        </p:txBody>
+      </p:sp>
     </p:spTree>
     <p:extLst>
       <p:ext uri="{BB962C8B-B14F-4D97-AF65-F5344CB8AC3E}">
@@ -7052,6 +7869,35 @@
           </a:p>
         </p:txBody>
       </p:sp>
+      <p:sp>
+        <p:nvSpPr>
+          <p:cNvPr id="4" name="Slide Number Placeholder 3">
+            <a:extLst>
+              <a:ext uri="{FF2B5EF4-FFF2-40B4-BE49-F238E27FC236}">
+                <a16:creationId xmlns:a16="http://schemas.microsoft.com/office/drawing/2014/main" id="{2D8AAC03-E90B-B644-6858-86949CF462BD}"/>
+              </a:ext>
+            </a:extLst>
+          </p:cNvPr>
+          <p:cNvSpPr>
+            <a:spLocks noGrp="1"/>
+          </p:cNvSpPr>
+          <p:nvPr>
+            <p:ph type="sldNum" sz="quarter" idx="12"/>
+          </p:nvPr>
+        </p:nvSpPr>
+        <p:spPr/>
+        <p:txBody>
+          <a:bodyPr/>
+          <a:lstStyle/>
+          <a:p>
+            <a:fld id="{9BF27F29-4B64-4A24-936A-FF41C34C242B}" type="slidenum">
+              <a:rPr lang="en-US" smtClean="0"/>
+              <a:t>24</a:t>
+            </a:fld>
+            <a:endParaRPr lang="en-US"/>
+          </a:p>
+        </p:txBody>
+      </p:sp>
     </p:spTree>
     <p:extLst>
       <p:ext uri="{BB962C8B-B14F-4D97-AF65-F5344CB8AC3E}">
@@ -7232,6 +8078,35 @@
           </a:p>
         </p:txBody>
       </p:sp>
+      <p:sp>
+        <p:nvSpPr>
+          <p:cNvPr id="4" name="Slide Number Placeholder 3">
+            <a:extLst>
+              <a:ext uri="{FF2B5EF4-FFF2-40B4-BE49-F238E27FC236}">
+                <a16:creationId xmlns:a16="http://schemas.microsoft.com/office/drawing/2014/main" id="{B451C178-5AF5-9D64-9208-174A4D57364C}"/>
+              </a:ext>
+            </a:extLst>
+          </p:cNvPr>
+          <p:cNvSpPr>
+            <a:spLocks noGrp="1"/>
+          </p:cNvSpPr>
+          <p:nvPr>
+            <p:ph type="sldNum" sz="quarter" idx="12"/>
+          </p:nvPr>
+        </p:nvSpPr>
+        <p:spPr/>
+        <p:txBody>
+          <a:bodyPr/>
+          <a:lstStyle/>
+          <a:p>
+            <a:fld id="{9BF27F29-4B64-4A24-936A-FF41C34C242B}" type="slidenum">
+              <a:rPr lang="en-US" smtClean="0"/>
+              <a:t>25</a:t>
+            </a:fld>
+            <a:endParaRPr lang="en-US"/>
+          </a:p>
+        </p:txBody>
+      </p:sp>
     </p:spTree>
     <p:extLst>
       <p:ext uri="{BB962C8B-B14F-4D97-AF65-F5344CB8AC3E}">
@@ -7388,6 +8263,35 @@
           </a:p>
         </p:txBody>
       </p:sp>
+      <p:sp>
+        <p:nvSpPr>
+          <p:cNvPr id="4" name="Slide Number Placeholder 3">
+            <a:extLst>
+              <a:ext uri="{FF2B5EF4-FFF2-40B4-BE49-F238E27FC236}">
+                <a16:creationId xmlns:a16="http://schemas.microsoft.com/office/drawing/2014/main" id="{3B441914-423D-A085-C543-05B35C24A796}"/>
+              </a:ext>
+            </a:extLst>
+          </p:cNvPr>
+          <p:cNvSpPr>
+            <a:spLocks noGrp="1"/>
+          </p:cNvSpPr>
+          <p:nvPr>
+            <p:ph type="sldNum" sz="quarter" idx="12"/>
+          </p:nvPr>
+        </p:nvSpPr>
+        <p:spPr/>
+        <p:txBody>
+          <a:bodyPr/>
+          <a:lstStyle/>
+          <a:p>
+            <a:fld id="{9BF27F29-4B64-4A24-936A-FF41C34C242B}" type="slidenum">
+              <a:rPr lang="en-US" smtClean="0"/>
+              <a:t>26</a:t>
+            </a:fld>
+            <a:endParaRPr lang="en-US"/>
+          </a:p>
+        </p:txBody>
+      </p:sp>
     </p:spTree>
     <p:extLst>
       <p:ext uri="{BB962C8B-B14F-4D97-AF65-F5344CB8AC3E}">
@@ -7557,6 +8461,35 @@
           </a:p>
         </p:txBody>
       </p:sp>
+      <p:sp>
+        <p:nvSpPr>
+          <p:cNvPr id="4" name="Slide Number Placeholder 3">
+            <a:extLst>
+              <a:ext uri="{FF2B5EF4-FFF2-40B4-BE49-F238E27FC236}">
+                <a16:creationId xmlns:a16="http://schemas.microsoft.com/office/drawing/2014/main" id="{BDDB642F-3546-F35A-2AF7-14DD5F7B7A7B}"/>
+              </a:ext>
+            </a:extLst>
+          </p:cNvPr>
+          <p:cNvSpPr>
+            <a:spLocks noGrp="1"/>
+          </p:cNvSpPr>
+          <p:nvPr>
+            <p:ph type="sldNum" sz="quarter" idx="12"/>
+          </p:nvPr>
+        </p:nvSpPr>
+        <p:spPr/>
+        <p:txBody>
+          <a:bodyPr/>
+          <a:lstStyle/>
+          <a:p>
+            <a:fld id="{9BF27F29-4B64-4A24-936A-FF41C34C242B}" type="slidenum">
+              <a:rPr lang="en-US" smtClean="0"/>
+              <a:t>27</a:t>
+            </a:fld>
+            <a:endParaRPr lang="en-US"/>
+          </a:p>
+        </p:txBody>
+      </p:sp>
     </p:spTree>
     <p:extLst>
       <p:ext uri="{BB962C8B-B14F-4D97-AF65-F5344CB8AC3E}">
@@ -7687,6 +8620,35 @@
           </a:p>
         </p:txBody>
       </p:sp>
+      <p:sp>
+        <p:nvSpPr>
+          <p:cNvPr id="4" name="Slide Number Placeholder 3">
+            <a:extLst>
+              <a:ext uri="{FF2B5EF4-FFF2-40B4-BE49-F238E27FC236}">
+                <a16:creationId xmlns:a16="http://schemas.microsoft.com/office/drawing/2014/main" id="{A478B18A-1241-5D93-D3A6-42A3F6E8E8F6}"/>
+              </a:ext>
+            </a:extLst>
+          </p:cNvPr>
+          <p:cNvSpPr>
+            <a:spLocks noGrp="1"/>
+          </p:cNvSpPr>
+          <p:nvPr>
+            <p:ph type="sldNum" sz="quarter" idx="12"/>
+          </p:nvPr>
+        </p:nvSpPr>
+        <p:spPr/>
+        <p:txBody>
+          <a:bodyPr/>
+          <a:lstStyle/>
+          <a:p>
+            <a:fld id="{9BF27F29-4B64-4A24-936A-FF41C34C242B}" type="slidenum">
+              <a:rPr lang="en-US" smtClean="0"/>
+              <a:t>28</a:t>
+            </a:fld>
+            <a:endParaRPr lang="en-US"/>
+          </a:p>
+        </p:txBody>
+      </p:sp>
     </p:spTree>
     <p:extLst>
       <p:ext uri="{BB962C8B-B14F-4D97-AF65-F5344CB8AC3E}">
@@ -7840,6 +8802,35 @@
           </a:p>
         </p:txBody>
       </p:sp>
+      <p:sp>
+        <p:nvSpPr>
+          <p:cNvPr id="4" name="Slide Number Placeholder 3">
+            <a:extLst>
+              <a:ext uri="{FF2B5EF4-FFF2-40B4-BE49-F238E27FC236}">
+                <a16:creationId xmlns:a16="http://schemas.microsoft.com/office/drawing/2014/main" id="{65FFA297-448B-8435-ED09-E5B6CF4F07D7}"/>
+              </a:ext>
+            </a:extLst>
+          </p:cNvPr>
+          <p:cNvSpPr>
+            <a:spLocks noGrp="1"/>
+          </p:cNvSpPr>
+          <p:nvPr>
+            <p:ph type="sldNum" sz="quarter" idx="12"/>
+          </p:nvPr>
+        </p:nvSpPr>
+        <p:spPr/>
+        <p:txBody>
+          <a:bodyPr/>
+          <a:lstStyle/>
+          <a:p>
+            <a:fld id="{9BF27F29-4B64-4A24-936A-FF41C34C242B}" type="slidenum">
+              <a:rPr lang="en-US" smtClean="0"/>
+              <a:t>29</a:t>
+            </a:fld>
+            <a:endParaRPr lang="en-US"/>
+          </a:p>
+        </p:txBody>
+      </p:sp>
     </p:spTree>
     <p:extLst>
       <p:ext uri="{BB962C8B-B14F-4D97-AF65-F5344CB8AC3E}">
@@ -7970,6 +8961,35 @@
           </a:p>
         </p:txBody>
       </p:sp>
+      <p:sp>
+        <p:nvSpPr>
+          <p:cNvPr id="4" name="Slide Number Placeholder 3">
+            <a:extLst>
+              <a:ext uri="{FF2B5EF4-FFF2-40B4-BE49-F238E27FC236}">
+                <a16:creationId xmlns:a16="http://schemas.microsoft.com/office/drawing/2014/main" id="{1DCFBC67-9C07-96B4-3426-571AFFCCD673}"/>
+              </a:ext>
+            </a:extLst>
+          </p:cNvPr>
+          <p:cNvSpPr>
+            <a:spLocks noGrp="1"/>
+          </p:cNvSpPr>
+          <p:nvPr>
+            <p:ph type="sldNum" sz="quarter" idx="12"/>
+          </p:nvPr>
+        </p:nvSpPr>
+        <p:spPr/>
+        <p:txBody>
+          <a:bodyPr/>
+          <a:lstStyle/>
+          <a:p>
+            <a:fld id="{9BF27F29-4B64-4A24-936A-FF41C34C242B}" type="slidenum">
+              <a:rPr lang="en-US" smtClean="0"/>
+              <a:t>3</a:t>
+            </a:fld>
+            <a:endParaRPr lang="en-US"/>
+          </a:p>
+        </p:txBody>
+      </p:sp>
     </p:spTree>
     <p:extLst>
       <p:ext uri="{BB962C8B-B14F-4D97-AF65-F5344CB8AC3E}">
@@ -8156,6 +9176,35 @@
           </a:p>
         </p:txBody>
       </p:sp>
+      <p:sp>
+        <p:nvSpPr>
+          <p:cNvPr id="4" name="Slide Number Placeholder 3">
+            <a:extLst>
+              <a:ext uri="{FF2B5EF4-FFF2-40B4-BE49-F238E27FC236}">
+                <a16:creationId xmlns:a16="http://schemas.microsoft.com/office/drawing/2014/main" id="{E4EDA373-64C7-6E44-9536-95B553D940BB}"/>
+              </a:ext>
+            </a:extLst>
+          </p:cNvPr>
+          <p:cNvSpPr>
+            <a:spLocks noGrp="1"/>
+          </p:cNvSpPr>
+          <p:nvPr>
+            <p:ph type="sldNum" sz="quarter" idx="12"/>
+          </p:nvPr>
+        </p:nvSpPr>
+        <p:spPr/>
+        <p:txBody>
+          <a:bodyPr/>
+          <a:lstStyle/>
+          <a:p>
+            <a:fld id="{9BF27F29-4B64-4A24-936A-FF41C34C242B}" type="slidenum">
+              <a:rPr lang="en-US" smtClean="0"/>
+              <a:t>30</a:t>
+            </a:fld>
+            <a:endParaRPr lang="en-US"/>
+          </a:p>
+        </p:txBody>
+      </p:sp>
     </p:spTree>
     <p:extLst>
       <p:ext uri="{BB962C8B-B14F-4D97-AF65-F5344CB8AC3E}">
@@ -8291,7 +9340,7 @@
         </p:nvCxnSpPr>
         <p:spPr>
           <a:xfrm flipH="1" flipV="1">
-            <a:off x="5476775" y="4263992"/>
+            <a:off x="5563035" y="4212235"/>
             <a:ext cx="231006" cy="385010"/>
           </a:xfrm>
           <a:prstGeom prst="straightConnector1">
@@ -8330,7 +9379,7 @@
         </p:nvCxnSpPr>
         <p:spPr>
           <a:xfrm flipV="1">
-            <a:off x="5967663" y="4235116"/>
+            <a:off x="6545632" y="4235116"/>
             <a:ext cx="0" cy="365760"/>
           </a:xfrm>
           <a:prstGeom prst="straightConnector1">
@@ -8369,7 +9418,7 @@
         </p:nvSpPr>
         <p:spPr>
           <a:xfrm>
-            <a:off x="5523050" y="4889716"/>
+            <a:off x="5333269" y="4705619"/>
             <a:ext cx="2152897" cy="646331"/>
           </a:xfrm>
           <a:prstGeom prst="rect">
@@ -8391,6 +9440,35 @@
               <a:rPr lang="en-US" dirty="0"/>
             </a:br>
             <a:endParaRPr lang="en-US" dirty="0"/>
+          </a:p>
+        </p:txBody>
+      </p:sp>
+      <p:sp>
+        <p:nvSpPr>
+          <p:cNvPr id="4" name="Slide Number Placeholder 3">
+            <a:extLst>
+              <a:ext uri="{FF2B5EF4-FFF2-40B4-BE49-F238E27FC236}">
+                <a16:creationId xmlns:a16="http://schemas.microsoft.com/office/drawing/2014/main" id="{C4B6FE80-5ADE-D7B8-FD80-A7DFA9D538BD}"/>
+              </a:ext>
+            </a:extLst>
+          </p:cNvPr>
+          <p:cNvSpPr>
+            <a:spLocks noGrp="1"/>
+          </p:cNvSpPr>
+          <p:nvPr>
+            <p:ph type="sldNum" sz="quarter" idx="12"/>
+          </p:nvPr>
+        </p:nvSpPr>
+        <p:spPr/>
+        <p:txBody>
+          <a:bodyPr/>
+          <a:lstStyle/>
+          <a:p>
+            <a:fld id="{9BF27F29-4B64-4A24-936A-FF41C34C242B}" type="slidenum">
+              <a:rPr lang="en-US" smtClean="0"/>
+              <a:t>31</a:t>
+            </a:fld>
+            <a:endParaRPr lang="en-US"/>
           </a:p>
         </p:txBody>
       </p:sp>
@@ -8562,6 +9640,35 @@
               <a:t> Identifiers use lower case and underscores</a:t>
             </a:r>
             <a:endParaRPr lang="en-US" b="1" dirty="0"/>
+          </a:p>
+        </p:txBody>
+      </p:sp>
+      <p:sp>
+        <p:nvSpPr>
+          <p:cNvPr id="4" name="Slide Number Placeholder 3">
+            <a:extLst>
+              <a:ext uri="{FF2B5EF4-FFF2-40B4-BE49-F238E27FC236}">
+                <a16:creationId xmlns:a16="http://schemas.microsoft.com/office/drawing/2014/main" id="{92BE4921-F497-0E39-755A-E9569952C129}"/>
+              </a:ext>
+            </a:extLst>
+          </p:cNvPr>
+          <p:cNvSpPr>
+            <a:spLocks noGrp="1"/>
+          </p:cNvSpPr>
+          <p:nvPr>
+            <p:ph type="sldNum" sz="quarter" idx="12"/>
+          </p:nvPr>
+        </p:nvSpPr>
+        <p:spPr/>
+        <p:txBody>
+          <a:bodyPr/>
+          <a:lstStyle/>
+          <a:p>
+            <a:fld id="{9BF27F29-4B64-4A24-936A-FF41C34C242B}" type="slidenum">
+              <a:rPr lang="en-US" smtClean="0"/>
+              <a:t>32</a:t>
+            </a:fld>
+            <a:endParaRPr lang="en-US"/>
           </a:p>
         </p:txBody>
       </p:sp>
@@ -8984,6 +10091,35 @@
           </a:fontRef>
         </p:style>
       </p:cxnSp>
+      <p:sp>
+        <p:nvSpPr>
+          <p:cNvPr id="5" name="Slide Number Placeholder 4">
+            <a:extLst>
+              <a:ext uri="{FF2B5EF4-FFF2-40B4-BE49-F238E27FC236}">
+                <a16:creationId xmlns:a16="http://schemas.microsoft.com/office/drawing/2014/main" id="{8DD59118-E972-7A0B-1F9E-3B7EA4E4135F}"/>
+              </a:ext>
+            </a:extLst>
+          </p:cNvPr>
+          <p:cNvSpPr>
+            <a:spLocks noGrp="1"/>
+          </p:cNvSpPr>
+          <p:nvPr>
+            <p:ph type="sldNum" sz="quarter" idx="12"/>
+          </p:nvPr>
+        </p:nvSpPr>
+        <p:spPr/>
+        <p:txBody>
+          <a:bodyPr/>
+          <a:lstStyle/>
+          <a:p>
+            <a:fld id="{9BF27F29-4B64-4A24-936A-FF41C34C242B}" type="slidenum">
+              <a:rPr lang="en-US" smtClean="0"/>
+              <a:t>33</a:t>
+            </a:fld>
+            <a:endParaRPr lang="en-US"/>
+          </a:p>
+        </p:txBody>
+      </p:sp>
     </p:spTree>
     <p:extLst>
       <p:ext uri="{BB962C8B-B14F-4D97-AF65-F5344CB8AC3E}">
@@ -9155,6 +10291,35 @@
           </a:p>
         </p:txBody>
       </p:sp>
+      <p:sp>
+        <p:nvSpPr>
+          <p:cNvPr id="4" name="Slide Number Placeholder 3">
+            <a:extLst>
+              <a:ext uri="{FF2B5EF4-FFF2-40B4-BE49-F238E27FC236}">
+                <a16:creationId xmlns:a16="http://schemas.microsoft.com/office/drawing/2014/main" id="{8ABA2098-0C57-6C45-A2B9-42765DFA7754}"/>
+              </a:ext>
+            </a:extLst>
+          </p:cNvPr>
+          <p:cNvSpPr>
+            <a:spLocks noGrp="1"/>
+          </p:cNvSpPr>
+          <p:nvPr>
+            <p:ph type="sldNum" sz="quarter" idx="12"/>
+          </p:nvPr>
+        </p:nvSpPr>
+        <p:spPr/>
+        <p:txBody>
+          <a:bodyPr/>
+          <a:lstStyle/>
+          <a:p>
+            <a:fld id="{9BF27F29-4B64-4A24-936A-FF41C34C242B}" type="slidenum">
+              <a:rPr lang="en-US" smtClean="0"/>
+              <a:t>34</a:t>
+            </a:fld>
+            <a:endParaRPr lang="en-US"/>
+          </a:p>
+        </p:txBody>
+      </p:sp>
     </p:spTree>
     <p:extLst>
       <p:ext uri="{BB962C8B-B14F-4D97-AF65-F5344CB8AC3E}">
@@ -9332,6 +10497,35 @@
           </a:p>
         </p:txBody>
       </p:sp>
+      <p:sp>
+        <p:nvSpPr>
+          <p:cNvPr id="4" name="Slide Number Placeholder 3">
+            <a:extLst>
+              <a:ext uri="{FF2B5EF4-FFF2-40B4-BE49-F238E27FC236}">
+                <a16:creationId xmlns:a16="http://schemas.microsoft.com/office/drawing/2014/main" id="{8F74BECC-563B-CE69-1EA5-A9F60A649476}"/>
+              </a:ext>
+            </a:extLst>
+          </p:cNvPr>
+          <p:cNvSpPr>
+            <a:spLocks noGrp="1"/>
+          </p:cNvSpPr>
+          <p:nvPr>
+            <p:ph type="sldNum" sz="quarter" idx="12"/>
+          </p:nvPr>
+        </p:nvSpPr>
+        <p:spPr/>
+        <p:txBody>
+          <a:bodyPr/>
+          <a:lstStyle/>
+          <a:p>
+            <a:fld id="{9BF27F29-4B64-4A24-936A-FF41C34C242B}" type="slidenum">
+              <a:rPr lang="en-US" smtClean="0"/>
+              <a:t>35</a:t>
+            </a:fld>
+            <a:endParaRPr lang="en-US"/>
+          </a:p>
+        </p:txBody>
+      </p:sp>
     </p:spTree>
     <p:extLst>
       <p:ext uri="{BB962C8B-B14F-4D97-AF65-F5344CB8AC3E}">
@@ -9512,6 +10706,35 @@
           </a:p>
         </p:txBody>
       </p:sp>
+      <p:sp>
+        <p:nvSpPr>
+          <p:cNvPr id="4" name="Slide Number Placeholder 3">
+            <a:extLst>
+              <a:ext uri="{FF2B5EF4-FFF2-40B4-BE49-F238E27FC236}">
+                <a16:creationId xmlns:a16="http://schemas.microsoft.com/office/drawing/2014/main" id="{7FC5AA10-DC42-A29B-FE94-CCC2C43E1575}"/>
+              </a:ext>
+            </a:extLst>
+          </p:cNvPr>
+          <p:cNvSpPr>
+            <a:spLocks noGrp="1"/>
+          </p:cNvSpPr>
+          <p:nvPr>
+            <p:ph type="sldNum" sz="quarter" idx="12"/>
+          </p:nvPr>
+        </p:nvSpPr>
+        <p:spPr/>
+        <p:txBody>
+          <a:bodyPr/>
+          <a:lstStyle/>
+          <a:p>
+            <a:fld id="{9BF27F29-4B64-4A24-936A-FF41C34C242B}" type="slidenum">
+              <a:rPr lang="en-US" smtClean="0"/>
+              <a:t>36</a:t>
+            </a:fld>
+            <a:endParaRPr lang="en-US"/>
+          </a:p>
+        </p:txBody>
+      </p:sp>
     </p:spTree>
     <p:extLst>
       <p:ext uri="{BB962C8B-B14F-4D97-AF65-F5344CB8AC3E}">
@@ -9651,6 +10874,35 @@
           </a:p>
         </p:txBody>
       </p:sp>
+      <p:sp>
+        <p:nvSpPr>
+          <p:cNvPr id="4" name="Slide Number Placeholder 3">
+            <a:extLst>
+              <a:ext uri="{FF2B5EF4-FFF2-40B4-BE49-F238E27FC236}">
+                <a16:creationId xmlns:a16="http://schemas.microsoft.com/office/drawing/2014/main" id="{05E991B9-9668-1CF0-35DE-BC033BF37CCB}"/>
+              </a:ext>
+            </a:extLst>
+          </p:cNvPr>
+          <p:cNvSpPr>
+            <a:spLocks noGrp="1"/>
+          </p:cNvSpPr>
+          <p:nvPr>
+            <p:ph type="sldNum" sz="quarter" idx="12"/>
+          </p:nvPr>
+        </p:nvSpPr>
+        <p:spPr/>
+        <p:txBody>
+          <a:bodyPr/>
+          <a:lstStyle/>
+          <a:p>
+            <a:fld id="{9BF27F29-4B64-4A24-936A-FF41C34C242B}" type="slidenum">
+              <a:rPr lang="en-US" smtClean="0"/>
+              <a:t>37</a:t>
+            </a:fld>
+            <a:endParaRPr lang="en-US"/>
+          </a:p>
+        </p:txBody>
+      </p:sp>
     </p:spTree>
     <p:extLst>
       <p:ext uri="{BB962C8B-B14F-4D97-AF65-F5344CB8AC3E}">
@@ -9828,6 +11080,35 @@
           </a:p>
           <a:p>
             <a:endParaRPr lang="en-US" dirty="0"/>
+          </a:p>
+        </p:txBody>
+      </p:sp>
+      <p:sp>
+        <p:nvSpPr>
+          <p:cNvPr id="4" name="Slide Number Placeholder 3">
+            <a:extLst>
+              <a:ext uri="{FF2B5EF4-FFF2-40B4-BE49-F238E27FC236}">
+                <a16:creationId xmlns:a16="http://schemas.microsoft.com/office/drawing/2014/main" id="{CDE42A0D-B251-E7AE-EBE9-BE31300B56CA}"/>
+              </a:ext>
+            </a:extLst>
+          </p:cNvPr>
+          <p:cNvSpPr>
+            <a:spLocks noGrp="1"/>
+          </p:cNvSpPr>
+          <p:nvPr>
+            <p:ph type="sldNum" sz="quarter" idx="12"/>
+          </p:nvPr>
+        </p:nvSpPr>
+        <p:spPr/>
+        <p:txBody>
+          <a:bodyPr/>
+          <a:lstStyle/>
+          <a:p>
+            <a:fld id="{9BF27F29-4B64-4A24-936A-FF41C34C242B}" type="slidenum">
+              <a:rPr lang="en-US" smtClean="0"/>
+              <a:t>38</a:t>
+            </a:fld>
+            <a:endParaRPr lang="en-US"/>
           </a:p>
         </p:txBody>
       </p:sp>
@@ -10214,6 +11495,35 @@
           </a:p>
         </p:txBody>
       </p:sp>
+      <p:sp>
+        <p:nvSpPr>
+          <p:cNvPr id="4" name="Slide Number Placeholder 3">
+            <a:extLst>
+              <a:ext uri="{FF2B5EF4-FFF2-40B4-BE49-F238E27FC236}">
+                <a16:creationId xmlns:a16="http://schemas.microsoft.com/office/drawing/2014/main" id="{7C1F2A4D-699A-C414-8DF7-968A63E47B54}"/>
+              </a:ext>
+            </a:extLst>
+          </p:cNvPr>
+          <p:cNvSpPr>
+            <a:spLocks noGrp="1"/>
+          </p:cNvSpPr>
+          <p:nvPr>
+            <p:ph type="sldNum" sz="quarter" idx="12"/>
+          </p:nvPr>
+        </p:nvSpPr>
+        <p:spPr/>
+        <p:txBody>
+          <a:bodyPr/>
+          <a:lstStyle/>
+          <a:p>
+            <a:fld id="{9BF27F29-4B64-4A24-936A-FF41C34C242B}" type="slidenum">
+              <a:rPr lang="en-US" smtClean="0"/>
+              <a:t>39</a:t>
+            </a:fld>
+            <a:endParaRPr lang="en-US"/>
+          </a:p>
+        </p:txBody>
+      </p:sp>
     </p:spTree>
     <p:extLst>
       <p:ext uri="{BB962C8B-B14F-4D97-AF65-F5344CB8AC3E}">
@@ -10333,6 +11643,35 @@
           </a:p>
         </p:txBody>
       </p:sp>
+      <p:sp>
+        <p:nvSpPr>
+          <p:cNvPr id="4" name="Slide Number Placeholder 3">
+            <a:extLst>
+              <a:ext uri="{FF2B5EF4-FFF2-40B4-BE49-F238E27FC236}">
+                <a16:creationId xmlns:a16="http://schemas.microsoft.com/office/drawing/2014/main" id="{EF177422-D93B-780B-29E2-56B7890E148A}"/>
+              </a:ext>
+            </a:extLst>
+          </p:cNvPr>
+          <p:cNvSpPr>
+            <a:spLocks noGrp="1"/>
+          </p:cNvSpPr>
+          <p:nvPr>
+            <p:ph type="sldNum" sz="quarter" idx="12"/>
+          </p:nvPr>
+        </p:nvSpPr>
+        <p:spPr/>
+        <p:txBody>
+          <a:bodyPr/>
+          <a:lstStyle/>
+          <a:p>
+            <a:fld id="{9BF27F29-4B64-4A24-936A-FF41C34C242B}" type="slidenum">
+              <a:rPr lang="en-US" smtClean="0"/>
+              <a:t>4</a:t>
+            </a:fld>
+            <a:endParaRPr lang="en-US"/>
+          </a:p>
+        </p:txBody>
+      </p:sp>
     </p:spTree>
     <p:extLst>
       <p:ext uri="{BB962C8B-B14F-4D97-AF65-F5344CB8AC3E}">
@@ -10449,6 +11788,35 @@
           </a:p>
         </p:txBody>
       </p:sp>
+      <p:sp>
+        <p:nvSpPr>
+          <p:cNvPr id="4" name="Slide Number Placeholder 3">
+            <a:extLst>
+              <a:ext uri="{FF2B5EF4-FFF2-40B4-BE49-F238E27FC236}">
+                <a16:creationId xmlns:a16="http://schemas.microsoft.com/office/drawing/2014/main" id="{6D15BC6C-5847-C644-8477-B56AA6DB2087}"/>
+              </a:ext>
+            </a:extLst>
+          </p:cNvPr>
+          <p:cNvSpPr>
+            <a:spLocks noGrp="1"/>
+          </p:cNvSpPr>
+          <p:nvPr>
+            <p:ph type="sldNum" sz="quarter" idx="12"/>
+          </p:nvPr>
+        </p:nvSpPr>
+        <p:spPr/>
+        <p:txBody>
+          <a:bodyPr/>
+          <a:lstStyle/>
+          <a:p>
+            <a:fld id="{9BF27F29-4B64-4A24-936A-FF41C34C242B}" type="slidenum">
+              <a:rPr lang="en-US" smtClean="0"/>
+              <a:t>40</a:t>
+            </a:fld>
+            <a:endParaRPr lang="en-US"/>
+          </a:p>
+        </p:txBody>
+      </p:sp>
     </p:spTree>
     <p:extLst>
       <p:ext uri="{BB962C8B-B14F-4D97-AF65-F5344CB8AC3E}">
@@ -10532,6 +11900,35 @@
           </a:p>
         </p:txBody>
       </p:sp>
+      <p:sp>
+        <p:nvSpPr>
+          <p:cNvPr id="4" name="Slide Number Placeholder 3">
+            <a:extLst>
+              <a:ext uri="{FF2B5EF4-FFF2-40B4-BE49-F238E27FC236}">
+                <a16:creationId xmlns:a16="http://schemas.microsoft.com/office/drawing/2014/main" id="{C050607D-153E-2DD8-F55A-58DAF93F571F}"/>
+              </a:ext>
+            </a:extLst>
+          </p:cNvPr>
+          <p:cNvSpPr>
+            <a:spLocks noGrp="1"/>
+          </p:cNvSpPr>
+          <p:nvPr>
+            <p:ph type="sldNum" sz="quarter" idx="12"/>
+          </p:nvPr>
+        </p:nvSpPr>
+        <p:spPr/>
+        <p:txBody>
+          <a:bodyPr/>
+          <a:lstStyle/>
+          <a:p>
+            <a:fld id="{9BF27F29-4B64-4A24-936A-FF41C34C242B}" type="slidenum">
+              <a:rPr lang="en-US" smtClean="0"/>
+              <a:t>41</a:t>
+            </a:fld>
+            <a:endParaRPr lang="en-US"/>
+          </a:p>
+        </p:txBody>
+      </p:sp>
     </p:spTree>
     <p:extLst>
       <p:ext uri="{BB962C8B-B14F-4D97-AF65-F5344CB8AC3E}">
@@ -10661,6 +12058,35 @@
               <a:t>Well-typed Rust programs are free of memory errors (use-after-free, double-free, memory leak). Rust can be used to guarantee concurrent programs are free of data races and deadlocks as well</a:t>
             </a:r>
             <a:endParaRPr lang="en-US" b="1" dirty="0"/>
+          </a:p>
+        </p:txBody>
+      </p:sp>
+      <p:sp>
+        <p:nvSpPr>
+          <p:cNvPr id="4" name="Slide Number Placeholder 3">
+            <a:extLst>
+              <a:ext uri="{FF2B5EF4-FFF2-40B4-BE49-F238E27FC236}">
+                <a16:creationId xmlns:a16="http://schemas.microsoft.com/office/drawing/2014/main" id="{0DA46EDD-D4CF-ACDE-98D4-D5A2779E97EB}"/>
+              </a:ext>
+            </a:extLst>
+          </p:cNvPr>
+          <p:cNvSpPr>
+            <a:spLocks noGrp="1"/>
+          </p:cNvSpPr>
+          <p:nvPr>
+            <p:ph type="sldNum" sz="quarter" idx="12"/>
+          </p:nvPr>
+        </p:nvSpPr>
+        <p:spPr/>
+        <p:txBody>
+          <a:bodyPr/>
+          <a:lstStyle/>
+          <a:p>
+            <a:fld id="{9BF27F29-4B64-4A24-936A-FF41C34C242B}" type="slidenum">
+              <a:rPr lang="en-US" smtClean="0"/>
+              <a:t>42</a:t>
+            </a:fld>
+            <a:endParaRPr lang="en-US"/>
           </a:p>
         </p:txBody>
       </p:sp>
@@ -11216,6 +12642,35 @@
           </a:p>
         </p:txBody>
       </p:sp>
+      <p:sp>
+        <p:nvSpPr>
+          <p:cNvPr id="5" name="Slide Number Placeholder 4">
+            <a:extLst>
+              <a:ext uri="{FF2B5EF4-FFF2-40B4-BE49-F238E27FC236}">
+                <a16:creationId xmlns:a16="http://schemas.microsoft.com/office/drawing/2014/main" id="{31D1A1E9-3910-DE21-AFC9-9243CD464545}"/>
+              </a:ext>
+            </a:extLst>
+          </p:cNvPr>
+          <p:cNvSpPr>
+            <a:spLocks noGrp="1"/>
+          </p:cNvSpPr>
+          <p:nvPr>
+            <p:ph type="sldNum" sz="quarter" idx="12"/>
+          </p:nvPr>
+        </p:nvSpPr>
+        <p:spPr/>
+        <p:txBody>
+          <a:bodyPr/>
+          <a:lstStyle/>
+          <a:p>
+            <a:fld id="{9BF27F29-4B64-4A24-936A-FF41C34C242B}" type="slidenum">
+              <a:rPr lang="en-US" smtClean="0"/>
+              <a:t>43</a:t>
+            </a:fld>
+            <a:endParaRPr lang="en-US"/>
+          </a:p>
+        </p:txBody>
+      </p:sp>
     </p:spTree>
     <p:extLst>
       <p:ext uri="{BB962C8B-B14F-4D97-AF65-F5344CB8AC3E}">
@@ -11487,6 +12942,35 @@
           </a:extLst>
         </p:spPr>
       </p:pic>
+      <p:sp>
+        <p:nvSpPr>
+          <p:cNvPr id="5" name="Slide Number Placeholder 4">
+            <a:extLst>
+              <a:ext uri="{FF2B5EF4-FFF2-40B4-BE49-F238E27FC236}">
+                <a16:creationId xmlns:a16="http://schemas.microsoft.com/office/drawing/2014/main" id="{A8145838-0AB7-B16A-6787-73FDCC6B2EB1}"/>
+              </a:ext>
+            </a:extLst>
+          </p:cNvPr>
+          <p:cNvSpPr>
+            <a:spLocks noGrp="1"/>
+          </p:cNvSpPr>
+          <p:nvPr>
+            <p:ph type="sldNum" sz="quarter" idx="12"/>
+          </p:nvPr>
+        </p:nvSpPr>
+        <p:spPr/>
+        <p:txBody>
+          <a:bodyPr/>
+          <a:lstStyle/>
+          <a:p>
+            <a:fld id="{9BF27F29-4B64-4A24-936A-FF41C34C242B}" type="slidenum">
+              <a:rPr lang="en-US" smtClean="0"/>
+              <a:t>44</a:t>
+            </a:fld>
+            <a:endParaRPr lang="en-US"/>
+          </a:p>
+        </p:txBody>
+      </p:sp>
     </p:spTree>
     <p:extLst>
       <p:ext uri="{BB962C8B-B14F-4D97-AF65-F5344CB8AC3E}">
@@ -11563,48 +13047,85 @@
         </p:nvSpPr>
         <p:spPr/>
         <p:txBody>
-          <a:bodyPr/>
-          <a:lstStyle/>
-          <a:p>
-            <a:r>
-              <a:rPr lang="en-US" dirty="0"/>
+          <a:bodyPr>
+            <a:normAutofit/>
+          </a:bodyPr>
+          <a:lstStyle/>
+          <a:p>
+            <a:r>
+              <a:rPr lang="en-US" sz="2600" dirty="0"/>
               <a:t>Tuple types use the same syntax as tuple expressions</a:t>
             </a:r>
           </a:p>
           <a:p>
             <a:r>
-              <a:rPr lang="en-US" dirty="0"/>
+              <a:rPr lang="en-US" sz="2600" dirty="0"/>
               <a:t>Tuple expression (e1, …, </a:t>
             </a:r>
             <a:r>
-              <a:rPr lang="en-US" dirty="0" err="1"/>
+              <a:rPr lang="en-US" sz="2600" dirty="0" err="1"/>
               <a:t>eN</a:t>
             </a:r>
             <a:r>
-              <a:rPr lang="en-US" dirty="0"/>
+              <a:rPr lang="en-US" sz="2600" dirty="0"/>
               <a:t>) has type (t1, …, </a:t>
             </a:r>
             <a:r>
-              <a:rPr lang="en-US" dirty="0" err="1"/>
+              <a:rPr lang="en-US" sz="2600" dirty="0" err="1"/>
               <a:t>tN</a:t>
             </a:r>
             <a:r>
-              <a:rPr lang="en-US" dirty="0"/>
+              <a:rPr lang="en-US" sz="2600" dirty="0"/>
               <a:t>) if each </a:t>
             </a:r>
             <a:r>
-              <a:rPr lang="en-US" dirty="0" err="1"/>
+              <a:rPr lang="en-US" sz="2600" dirty="0" err="1">
+                <a:latin typeface="Consolas" panose="020B0609020204030204" pitchFamily="49" charset="0"/>
+              </a:rPr>
               <a:t>eI</a:t>
             </a:r>
             <a:r>
-              <a:rPr lang="en-US" dirty="0"/>
+              <a:rPr lang="en-US" sz="2600" dirty="0"/>
               <a:t> has type </a:t>
             </a:r>
             <a:r>
-              <a:rPr lang="en-US" dirty="0" err="1"/>
+              <a:rPr lang="en-US" sz="2600" dirty="0" err="1">
+                <a:latin typeface="Consolas" panose="020B0609020204030204" pitchFamily="49" charset="0"/>
+              </a:rPr>
               <a:t>tI</a:t>
             </a:r>
-            <a:endParaRPr lang="en-US" dirty="0"/>
+            <a:endParaRPr lang="en-US" sz="2600" dirty="0">
+              <a:latin typeface="Consolas" panose="020B0609020204030204" pitchFamily="49" charset="0"/>
+            </a:endParaRPr>
+          </a:p>
+        </p:txBody>
+      </p:sp>
+      <p:sp>
+        <p:nvSpPr>
+          <p:cNvPr id="4" name="Slide Number Placeholder 3">
+            <a:extLst>
+              <a:ext uri="{FF2B5EF4-FFF2-40B4-BE49-F238E27FC236}">
+                <a16:creationId xmlns:a16="http://schemas.microsoft.com/office/drawing/2014/main" id="{942F9F81-3049-0133-C271-387F00963F16}"/>
+              </a:ext>
+            </a:extLst>
+          </p:cNvPr>
+          <p:cNvSpPr>
+            <a:spLocks noGrp="1"/>
+          </p:cNvSpPr>
+          <p:nvPr>
+            <p:ph type="sldNum" sz="quarter" idx="12"/>
+          </p:nvPr>
+        </p:nvSpPr>
+        <p:spPr/>
+        <p:txBody>
+          <a:bodyPr/>
+          <a:lstStyle/>
+          <a:p>
+            <a:fld id="{9BF27F29-4B64-4A24-936A-FF41C34C242B}" type="slidenum">
+              <a:rPr lang="en-US" smtClean="0"/>
+              <a:t>45</a:t>
+            </a:fld>
+            <a:endParaRPr lang="en-US"/>
           </a:p>
         </p:txBody>
       </p:sp>
@@ -11797,6 +13318,35 @@
           </a:p>
         </p:txBody>
       </p:sp>
+      <p:sp>
+        <p:nvSpPr>
+          <p:cNvPr id="4" name="Slide Number Placeholder 3">
+            <a:extLst>
+              <a:ext uri="{FF2B5EF4-FFF2-40B4-BE49-F238E27FC236}">
+                <a16:creationId xmlns:a16="http://schemas.microsoft.com/office/drawing/2014/main" id="{33A34F55-C22B-556C-8A04-F7A991D1E0D9}"/>
+              </a:ext>
+            </a:extLst>
+          </p:cNvPr>
+          <p:cNvSpPr>
+            <a:spLocks noGrp="1"/>
+          </p:cNvSpPr>
+          <p:nvPr>
+            <p:ph type="sldNum" sz="quarter" idx="12"/>
+          </p:nvPr>
+        </p:nvSpPr>
+        <p:spPr/>
+        <p:txBody>
+          <a:bodyPr/>
+          <a:lstStyle/>
+          <a:p>
+            <a:fld id="{9BF27F29-4B64-4A24-936A-FF41C34C242B}" type="slidenum">
+              <a:rPr lang="en-US" smtClean="0"/>
+              <a:t>46</a:t>
+            </a:fld>
+            <a:endParaRPr lang="en-US"/>
+          </a:p>
+        </p:txBody>
+      </p:sp>
     </p:spTree>
     <p:extLst>
       <p:ext uri="{BB962C8B-B14F-4D97-AF65-F5344CB8AC3E}">
@@ -11927,6 +13477,35 @@
           </a:p>
         </p:txBody>
       </p:sp>
+      <p:sp>
+        <p:nvSpPr>
+          <p:cNvPr id="4" name="Slide Number Placeholder 3">
+            <a:extLst>
+              <a:ext uri="{FF2B5EF4-FFF2-40B4-BE49-F238E27FC236}">
+                <a16:creationId xmlns:a16="http://schemas.microsoft.com/office/drawing/2014/main" id="{00170D8D-231E-D709-BA8E-E04DCEFC8F6A}"/>
+              </a:ext>
+            </a:extLst>
+          </p:cNvPr>
+          <p:cNvSpPr>
+            <a:spLocks noGrp="1"/>
+          </p:cNvSpPr>
+          <p:nvPr>
+            <p:ph type="sldNum" sz="quarter" idx="12"/>
+          </p:nvPr>
+        </p:nvSpPr>
+        <p:spPr/>
+        <p:txBody>
+          <a:bodyPr/>
+          <a:lstStyle/>
+          <a:p>
+            <a:fld id="{9BF27F29-4B64-4A24-936A-FF41C34C242B}" type="slidenum">
+              <a:rPr lang="en-US" smtClean="0"/>
+              <a:t>47</a:t>
+            </a:fld>
+            <a:endParaRPr lang="en-US"/>
+          </a:p>
+        </p:txBody>
+      </p:sp>
     </p:spTree>
     <p:extLst>
       <p:ext uri="{BB962C8B-B14F-4D97-AF65-F5344CB8AC3E}">
@@ -12604,6 +14183,35 @@
           </a:p>
         </p:txBody>
       </p:sp>
+      <p:sp>
+        <p:nvSpPr>
+          <p:cNvPr id="4" name="Slide Number Placeholder 3">
+            <a:extLst>
+              <a:ext uri="{FF2B5EF4-FFF2-40B4-BE49-F238E27FC236}">
+                <a16:creationId xmlns:a16="http://schemas.microsoft.com/office/drawing/2014/main" id="{E054536E-2A0B-04BD-F659-245B31FD473E}"/>
+              </a:ext>
+            </a:extLst>
+          </p:cNvPr>
+          <p:cNvSpPr>
+            <a:spLocks noGrp="1"/>
+          </p:cNvSpPr>
+          <p:nvPr>
+            <p:ph type="sldNum" sz="quarter" idx="12"/>
+          </p:nvPr>
+        </p:nvSpPr>
+        <p:spPr/>
+        <p:txBody>
+          <a:bodyPr/>
+          <a:lstStyle/>
+          <a:p>
+            <a:fld id="{9BF27F29-4B64-4A24-936A-FF41C34C242B}" type="slidenum">
+              <a:rPr lang="en-US" smtClean="0"/>
+              <a:t>48</a:t>
+            </a:fld>
+            <a:endParaRPr lang="en-US"/>
+          </a:p>
+        </p:txBody>
+      </p:sp>
     </p:spTree>
     <p:extLst>
       <p:ext uri="{BB962C8B-B14F-4D97-AF65-F5344CB8AC3E}">
@@ -12681,7 +14289,7 @@
         <p:spPr/>
         <p:txBody>
           <a:bodyPr>
-            <a:normAutofit lnSpcReduction="10000"/>
+            <a:normAutofit fontScale="92500"/>
           </a:bodyPr>
           <a:lstStyle/>
           <a:p>
@@ -12756,7 +14364,9 @@
               <a:t> Pattern </a:t>
             </a:r>
             <a:r>
-              <a:rPr lang="en-US" dirty="0" err="1"/>
+              <a:rPr lang="en-US" dirty="0" err="1">
+                <a:latin typeface="Consolas" panose="020B0609020204030204" pitchFamily="49" charset="0"/>
+              </a:rPr>
               <a:t>patI</a:t>
             </a:r>
             <a:r>
@@ -12772,7 +14382,9 @@
               <a:t> if for every value v that matches pattern </a:t>
             </a:r>
             <a:r>
-              <a:rPr lang="en-US" dirty="0" err="1"/>
+              <a:rPr lang="en-US" dirty="0" err="1">
+                <a:latin typeface="Consolas" panose="020B0609020204030204" pitchFamily="49" charset="0"/>
+              </a:rPr>
               <a:t>patI</a:t>
             </a:r>
             <a:r>
@@ -12785,9 +14397,58 @@
             </a:r>
             <a:r>
               <a:rPr lang="en-US" dirty="0"/>
-              <a:t> for J &lt; I that matches v</a:t>
+              <a:t> for </a:t>
+            </a:r>
+            <a:r>
+              <a:rPr lang="en-US" dirty="0">
+                <a:latin typeface="Consolas" panose="020B0609020204030204" pitchFamily="49" charset="0"/>
+              </a:rPr>
+              <a:t>J</a:t>
+            </a:r>
+            <a:r>
+              <a:rPr lang="en-US" dirty="0"/>
+              <a:t> &lt; </a:t>
+            </a:r>
+            <a:r>
+              <a:rPr lang="en-US" dirty="0">
+                <a:latin typeface="Consolas" panose="020B0609020204030204" pitchFamily="49" charset="0"/>
+              </a:rPr>
+              <a:t>I</a:t>
+            </a:r>
+            <a:r>
+              <a:rPr lang="en-US" dirty="0"/>
+              <a:t> that matches v</a:t>
             </a:r>
             <a:endParaRPr lang="en-US" b="1" dirty="0"/>
+          </a:p>
+        </p:txBody>
+      </p:sp>
+      <p:sp>
+        <p:nvSpPr>
+          <p:cNvPr id="4" name="Slide Number Placeholder 3">
+            <a:extLst>
+              <a:ext uri="{FF2B5EF4-FFF2-40B4-BE49-F238E27FC236}">
+                <a16:creationId xmlns:a16="http://schemas.microsoft.com/office/drawing/2014/main" id="{900BABB0-DB74-34F0-EB9F-DF14A739CA77}"/>
+              </a:ext>
+            </a:extLst>
+          </p:cNvPr>
+          <p:cNvSpPr>
+            <a:spLocks noGrp="1"/>
+          </p:cNvSpPr>
+          <p:nvPr>
+            <p:ph type="sldNum" sz="quarter" idx="12"/>
+          </p:nvPr>
+        </p:nvSpPr>
+        <p:spPr/>
+        <p:txBody>
+          <a:bodyPr/>
+          <a:lstStyle/>
+          <a:p>
+            <a:fld id="{9BF27F29-4B64-4A24-936A-FF41C34C242B}" type="slidenum">
+              <a:rPr lang="en-US" smtClean="0"/>
+              <a:t>49</a:t>
+            </a:fld>
+            <a:endParaRPr lang="en-US"/>
           </a:p>
         </p:txBody>
       </p:sp>
@@ -12957,6 +14618,35 @@
           </a:p>
         </p:txBody>
       </p:sp>
+      <p:sp>
+        <p:nvSpPr>
+          <p:cNvPr id="3" name="Slide Number Placeholder 2">
+            <a:extLst>
+              <a:ext uri="{FF2B5EF4-FFF2-40B4-BE49-F238E27FC236}">
+                <a16:creationId xmlns:a16="http://schemas.microsoft.com/office/drawing/2014/main" id="{DAA2CE43-FD57-0AE1-4EA1-48010A309CE4}"/>
+              </a:ext>
+            </a:extLst>
+          </p:cNvPr>
+          <p:cNvSpPr>
+            <a:spLocks noGrp="1"/>
+          </p:cNvSpPr>
+          <p:nvPr>
+            <p:ph type="sldNum" sz="quarter" idx="12"/>
+          </p:nvPr>
+        </p:nvSpPr>
+        <p:spPr/>
+        <p:txBody>
+          <a:bodyPr/>
+          <a:lstStyle/>
+          <a:p>
+            <a:fld id="{9BF27F29-4B64-4A24-936A-FF41C34C242B}" type="slidenum">
+              <a:rPr lang="en-US" smtClean="0"/>
+              <a:t>5</a:t>
+            </a:fld>
+            <a:endParaRPr lang="en-US"/>
+          </a:p>
+        </p:txBody>
+      </p:sp>
     </p:spTree>
     <p:extLst>
       <p:ext uri="{BB962C8B-B14F-4D97-AF65-F5344CB8AC3E}">
@@ -13103,7 +14793,9 @@
               <a:t> Pattern </a:t>
             </a:r>
             <a:r>
-              <a:rPr lang="en-US" dirty="0" err="1"/>
+              <a:rPr lang="en-US" dirty="0" err="1">
+                <a:latin typeface="Consolas" panose="020B0609020204030204" pitchFamily="49" charset="0"/>
+              </a:rPr>
               <a:t>patI</a:t>
             </a:r>
             <a:r>
@@ -13127,7 +14819,9 @@
               <a:t> of e0’s type, there exists pattern </a:t>
             </a:r>
             <a:r>
-              <a:rPr lang="en-US" dirty="0" err="1"/>
+              <a:rPr lang="en-US" dirty="0" err="1">
+                <a:latin typeface="Consolas" panose="020B0609020204030204" pitchFamily="49" charset="0"/>
+              </a:rPr>
               <a:t>patI</a:t>
             </a:r>
             <a:r>
@@ -13150,6 +14844,35 @@
               <a:t> exhaustive.</a:t>
             </a:r>
             <a:endParaRPr lang="en-US" b="1" dirty="0"/>
+          </a:p>
+        </p:txBody>
+      </p:sp>
+      <p:sp>
+        <p:nvSpPr>
+          <p:cNvPr id="4" name="Slide Number Placeholder 3">
+            <a:extLst>
+              <a:ext uri="{FF2B5EF4-FFF2-40B4-BE49-F238E27FC236}">
+                <a16:creationId xmlns:a16="http://schemas.microsoft.com/office/drawing/2014/main" id="{B5A658D1-CF9E-12EF-913A-A844098B2E80}"/>
+              </a:ext>
+            </a:extLst>
+          </p:cNvPr>
+          <p:cNvSpPr>
+            <a:spLocks noGrp="1"/>
+          </p:cNvSpPr>
+          <p:nvPr>
+            <p:ph type="sldNum" sz="quarter" idx="12"/>
+          </p:nvPr>
+        </p:nvSpPr>
+        <p:spPr/>
+        <p:txBody>
+          <a:bodyPr/>
+          <a:lstStyle/>
+          <a:p>
+            <a:fld id="{9BF27F29-4B64-4A24-936A-FF41C34C242B}" type="slidenum">
+              <a:rPr lang="en-US" smtClean="0"/>
+              <a:t>50</a:t>
+            </a:fld>
+            <a:endParaRPr lang="en-US"/>
           </a:p>
         </p:txBody>
       </p:sp>
@@ -13236,6 +14959,35 @@
           </a:p>
         </p:txBody>
       </p:sp>
+      <p:sp>
+        <p:nvSpPr>
+          <p:cNvPr id="4" name="Slide Number Placeholder 3">
+            <a:extLst>
+              <a:ext uri="{FF2B5EF4-FFF2-40B4-BE49-F238E27FC236}">
+                <a16:creationId xmlns:a16="http://schemas.microsoft.com/office/drawing/2014/main" id="{1C264930-3E56-75A3-2261-C4F254661FED}"/>
+              </a:ext>
+            </a:extLst>
+          </p:cNvPr>
+          <p:cNvSpPr>
+            <a:spLocks noGrp="1"/>
+          </p:cNvSpPr>
+          <p:nvPr>
+            <p:ph type="sldNum" sz="quarter" idx="12"/>
+          </p:nvPr>
+        </p:nvSpPr>
+        <p:spPr/>
+        <p:txBody>
+          <a:bodyPr/>
+          <a:lstStyle/>
+          <a:p>
+            <a:fld id="{9BF27F29-4B64-4A24-936A-FF41C34C242B}" type="slidenum">
+              <a:rPr lang="en-US" smtClean="0"/>
+              <a:t>51</a:t>
+            </a:fld>
+            <a:endParaRPr lang="en-US"/>
+          </a:p>
+        </p:txBody>
+      </p:sp>
     </p:spTree>
     <p:extLst>
       <p:ext uri="{BB962C8B-B14F-4D97-AF65-F5344CB8AC3E}">
@@ -13414,6 +15166,35 @@
           </a:p>
         </p:txBody>
       </p:sp>
+      <p:sp>
+        <p:nvSpPr>
+          <p:cNvPr id="4" name="Slide Number Placeholder 3">
+            <a:extLst>
+              <a:ext uri="{FF2B5EF4-FFF2-40B4-BE49-F238E27FC236}">
+                <a16:creationId xmlns:a16="http://schemas.microsoft.com/office/drawing/2014/main" id="{F604591E-4AC5-3BB7-6682-CD2AAD4E3C3C}"/>
+              </a:ext>
+            </a:extLst>
+          </p:cNvPr>
+          <p:cNvSpPr>
+            <a:spLocks noGrp="1"/>
+          </p:cNvSpPr>
+          <p:nvPr>
+            <p:ph type="sldNum" sz="quarter" idx="12"/>
+          </p:nvPr>
+        </p:nvSpPr>
+        <p:spPr/>
+        <p:txBody>
+          <a:bodyPr/>
+          <a:lstStyle/>
+          <a:p>
+            <a:fld id="{9BF27F29-4B64-4A24-936A-FF41C34C242B}" type="slidenum">
+              <a:rPr lang="en-US" smtClean="0"/>
+              <a:t>52</a:t>
+            </a:fld>
+            <a:endParaRPr lang="en-US"/>
+          </a:p>
+        </p:txBody>
+      </p:sp>
     </p:spTree>
     <p:extLst>
       <p:ext uri="{BB962C8B-B14F-4D97-AF65-F5344CB8AC3E}">
@@ -13577,6 +15358,35 @@
           </a:p>
         </p:txBody>
       </p:sp>
+      <p:sp>
+        <p:nvSpPr>
+          <p:cNvPr id="4" name="Slide Number Placeholder 3">
+            <a:extLst>
+              <a:ext uri="{FF2B5EF4-FFF2-40B4-BE49-F238E27FC236}">
+                <a16:creationId xmlns:a16="http://schemas.microsoft.com/office/drawing/2014/main" id="{245FCA10-DBC8-BE86-E75F-0A99ACF65CA1}"/>
+              </a:ext>
+            </a:extLst>
+          </p:cNvPr>
+          <p:cNvSpPr>
+            <a:spLocks noGrp="1"/>
+          </p:cNvSpPr>
+          <p:nvPr>
+            <p:ph type="sldNum" sz="quarter" idx="12"/>
+          </p:nvPr>
+        </p:nvSpPr>
+        <p:spPr/>
+        <p:txBody>
+          <a:bodyPr/>
+          <a:lstStyle/>
+          <a:p>
+            <a:fld id="{9BF27F29-4B64-4A24-936A-FF41C34C242B}" type="slidenum">
+              <a:rPr lang="en-US" smtClean="0"/>
+              <a:t>53</a:t>
+            </a:fld>
+            <a:endParaRPr lang="en-US"/>
+          </a:p>
+        </p:txBody>
+      </p:sp>
     </p:spTree>
     <p:extLst>
       <p:ext uri="{BB962C8B-B14F-4D97-AF65-F5344CB8AC3E}">
@@ -13721,6 +15531,35 @@
           </a:p>
         </p:txBody>
       </p:sp>
+      <p:sp>
+        <p:nvSpPr>
+          <p:cNvPr id="4" name="Slide Number Placeholder 3">
+            <a:extLst>
+              <a:ext uri="{FF2B5EF4-FFF2-40B4-BE49-F238E27FC236}">
+                <a16:creationId xmlns:a16="http://schemas.microsoft.com/office/drawing/2014/main" id="{C9399BAC-07A3-29C0-0BC5-F2F5154747AF}"/>
+              </a:ext>
+            </a:extLst>
+          </p:cNvPr>
+          <p:cNvSpPr>
+            <a:spLocks noGrp="1"/>
+          </p:cNvSpPr>
+          <p:nvPr>
+            <p:ph type="sldNum" sz="quarter" idx="12"/>
+          </p:nvPr>
+        </p:nvSpPr>
+        <p:spPr/>
+        <p:txBody>
+          <a:bodyPr/>
+          <a:lstStyle/>
+          <a:p>
+            <a:fld id="{9BF27F29-4B64-4A24-936A-FF41C34C242B}" type="slidenum">
+              <a:rPr lang="en-US" smtClean="0"/>
+              <a:t>54</a:t>
+            </a:fld>
+            <a:endParaRPr lang="en-US"/>
+          </a:p>
+        </p:txBody>
+      </p:sp>
     </p:spTree>
     <p:extLst>
       <p:ext uri="{BB962C8B-B14F-4D97-AF65-F5344CB8AC3E}">
@@ -13804,6 +15643,35 @@
           </a:p>
         </p:txBody>
       </p:sp>
+      <p:sp>
+        <p:nvSpPr>
+          <p:cNvPr id="4" name="Slide Number Placeholder 3">
+            <a:extLst>
+              <a:ext uri="{FF2B5EF4-FFF2-40B4-BE49-F238E27FC236}">
+                <a16:creationId xmlns:a16="http://schemas.microsoft.com/office/drawing/2014/main" id="{576933BD-D958-5E89-5F6A-A57546D90641}"/>
+              </a:ext>
+            </a:extLst>
+          </p:cNvPr>
+          <p:cNvSpPr>
+            <a:spLocks noGrp="1"/>
+          </p:cNvSpPr>
+          <p:nvPr>
+            <p:ph type="sldNum" sz="quarter" idx="12"/>
+          </p:nvPr>
+        </p:nvSpPr>
+        <p:spPr/>
+        <p:txBody>
+          <a:bodyPr/>
+          <a:lstStyle/>
+          <a:p>
+            <a:fld id="{9BF27F29-4B64-4A24-936A-FF41C34C242B}" type="slidenum">
+              <a:rPr lang="en-US" smtClean="0"/>
+              <a:t>55</a:t>
+            </a:fld>
+            <a:endParaRPr lang="en-US"/>
+          </a:p>
+        </p:txBody>
+      </p:sp>
     </p:spTree>
     <p:extLst>
       <p:ext uri="{BB962C8B-B14F-4D97-AF65-F5344CB8AC3E}">
@@ -13927,6 +15795,35 @@
           </a:p>
         </p:txBody>
       </p:sp>
+      <p:sp>
+        <p:nvSpPr>
+          <p:cNvPr id="4" name="Slide Number Placeholder 3">
+            <a:extLst>
+              <a:ext uri="{FF2B5EF4-FFF2-40B4-BE49-F238E27FC236}">
+                <a16:creationId xmlns:a16="http://schemas.microsoft.com/office/drawing/2014/main" id="{46525746-C0FA-4140-F623-713FCAE88ED8}"/>
+              </a:ext>
+            </a:extLst>
+          </p:cNvPr>
+          <p:cNvSpPr>
+            <a:spLocks noGrp="1"/>
+          </p:cNvSpPr>
+          <p:nvPr>
+            <p:ph type="sldNum" sz="quarter" idx="12"/>
+          </p:nvPr>
+        </p:nvSpPr>
+        <p:spPr/>
+        <p:txBody>
+          <a:bodyPr/>
+          <a:lstStyle/>
+          <a:p>
+            <a:fld id="{9BF27F29-4B64-4A24-936A-FF41C34C242B}" type="slidenum">
+              <a:rPr lang="en-US" smtClean="0"/>
+              <a:t>56</a:t>
+            </a:fld>
+            <a:endParaRPr lang="en-US"/>
+          </a:p>
+        </p:txBody>
+      </p:sp>
     </p:spTree>
     <p:extLst>
       <p:ext uri="{BB962C8B-B14F-4D97-AF65-F5344CB8AC3E}">
@@ -14179,6 +16076,35 @@
           </a:p>
         </p:txBody>
       </p:sp>
+      <p:sp>
+        <p:nvSpPr>
+          <p:cNvPr id="7" name="Slide Number Placeholder 6">
+            <a:extLst>
+              <a:ext uri="{FF2B5EF4-FFF2-40B4-BE49-F238E27FC236}">
+                <a16:creationId xmlns:a16="http://schemas.microsoft.com/office/drawing/2014/main" id="{BF9E8CFE-68E3-1D82-6EE2-8CEDC8135226}"/>
+              </a:ext>
+            </a:extLst>
+          </p:cNvPr>
+          <p:cNvSpPr>
+            <a:spLocks noGrp="1"/>
+          </p:cNvSpPr>
+          <p:nvPr>
+            <p:ph type="sldNum" sz="quarter" idx="12"/>
+          </p:nvPr>
+        </p:nvSpPr>
+        <p:spPr/>
+        <p:txBody>
+          <a:bodyPr/>
+          <a:lstStyle/>
+          <a:p>
+            <a:fld id="{9BF27F29-4B64-4A24-936A-FF41C34C242B}" type="slidenum">
+              <a:rPr lang="en-US" smtClean="0"/>
+              <a:t>57</a:t>
+            </a:fld>
+            <a:endParaRPr lang="en-US"/>
+          </a:p>
+        </p:txBody>
+      </p:sp>
     </p:spTree>
     <p:extLst>
       <p:ext uri="{BB962C8B-B14F-4D97-AF65-F5344CB8AC3E}">
@@ -14582,6 +16508,35 @@
           </a:p>
         </p:txBody>
       </p:sp>
+      <p:sp>
+        <p:nvSpPr>
+          <p:cNvPr id="7" name="Slide Number Placeholder 6">
+            <a:extLst>
+              <a:ext uri="{FF2B5EF4-FFF2-40B4-BE49-F238E27FC236}">
+                <a16:creationId xmlns:a16="http://schemas.microsoft.com/office/drawing/2014/main" id="{DEBA21CB-34F6-4044-8FC2-F6C9F1205B73}"/>
+              </a:ext>
+            </a:extLst>
+          </p:cNvPr>
+          <p:cNvSpPr>
+            <a:spLocks noGrp="1"/>
+          </p:cNvSpPr>
+          <p:nvPr>
+            <p:ph type="sldNum" sz="quarter" idx="12"/>
+          </p:nvPr>
+        </p:nvSpPr>
+        <p:spPr/>
+        <p:txBody>
+          <a:bodyPr/>
+          <a:lstStyle/>
+          <a:p>
+            <a:fld id="{9BF27F29-4B64-4A24-936A-FF41C34C242B}" type="slidenum">
+              <a:rPr lang="en-US" smtClean="0"/>
+              <a:t>58</a:t>
+            </a:fld>
+            <a:endParaRPr lang="en-US"/>
+          </a:p>
+        </p:txBody>
+      </p:sp>
     </p:spTree>
     <p:extLst>
       <p:ext uri="{BB962C8B-B14F-4D97-AF65-F5344CB8AC3E}">
@@ -14767,6 +16722,35 @@
           </a:p>
         </p:txBody>
       </p:sp>
+      <p:sp>
+        <p:nvSpPr>
+          <p:cNvPr id="4" name="Slide Number Placeholder 3">
+            <a:extLst>
+              <a:ext uri="{FF2B5EF4-FFF2-40B4-BE49-F238E27FC236}">
+                <a16:creationId xmlns:a16="http://schemas.microsoft.com/office/drawing/2014/main" id="{9CDB6817-D64A-F01C-684A-333D75709E86}"/>
+              </a:ext>
+            </a:extLst>
+          </p:cNvPr>
+          <p:cNvSpPr>
+            <a:spLocks noGrp="1"/>
+          </p:cNvSpPr>
+          <p:nvPr>
+            <p:ph type="sldNum" sz="quarter" idx="12"/>
+          </p:nvPr>
+        </p:nvSpPr>
+        <p:spPr/>
+        <p:txBody>
+          <a:bodyPr/>
+          <a:lstStyle/>
+          <a:p>
+            <a:fld id="{9BF27F29-4B64-4A24-936A-FF41C34C242B}" type="slidenum">
+              <a:rPr lang="en-US" smtClean="0"/>
+              <a:t>59</a:t>
+            </a:fld>
+            <a:endParaRPr lang="en-US"/>
+          </a:p>
+        </p:txBody>
+      </p:sp>
     </p:spTree>
     <p:extLst>
       <p:ext uri="{BB962C8B-B14F-4D97-AF65-F5344CB8AC3E}">
@@ -15011,6 +16995,35 @@
           </a:p>
         </p:txBody>
       </p:sp>
+      <p:sp>
+        <p:nvSpPr>
+          <p:cNvPr id="3" name="Slide Number Placeholder 2">
+            <a:extLst>
+              <a:ext uri="{FF2B5EF4-FFF2-40B4-BE49-F238E27FC236}">
+                <a16:creationId xmlns:a16="http://schemas.microsoft.com/office/drawing/2014/main" id="{A5629456-2E22-CA13-5C21-101AFD6B0D0D}"/>
+              </a:ext>
+            </a:extLst>
+          </p:cNvPr>
+          <p:cNvSpPr>
+            <a:spLocks noGrp="1"/>
+          </p:cNvSpPr>
+          <p:nvPr>
+            <p:ph type="sldNum" sz="quarter" idx="12"/>
+          </p:nvPr>
+        </p:nvSpPr>
+        <p:spPr/>
+        <p:txBody>
+          <a:bodyPr/>
+          <a:lstStyle/>
+          <a:p>
+            <a:fld id="{9BF27F29-4B64-4A24-936A-FF41C34C242B}" type="slidenum">
+              <a:rPr lang="en-US" smtClean="0"/>
+              <a:t>6</a:t>
+            </a:fld>
+            <a:endParaRPr lang="en-US"/>
+          </a:p>
+        </p:txBody>
+      </p:sp>
     </p:spTree>
     <p:extLst>
       <p:ext uri="{BB962C8B-B14F-4D97-AF65-F5344CB8AC3E}">
@@ -15158,6 +17171,35 @@
           </a:p>
         </p:txBody>
       </p:sp>
+      <p:sp>
+        <p:nvSpPr>
+          <p:cNvPr id="4" name="Slide Number Placeholder 3">
+            <a:extLst>
+              <a:ext uri="{FF2B5EF4-FFF2-40B4-BE49-F238E27FC236}">
+                <a16:creationId xmlns:a16="http://schemas.microsoft.com/office/drawing/2014/main" id="{24CE393D-D82B-6356-07EC-671E076F0325}"/>
+              </a:ext>
+            </a:extLst>
+          </p:cNvPr>
+          <p:cNvSpPr>
+            <a:spLocks noGrp="1"/>
+          </p:cNvSpPr>
+          <p:nvPr>
+            <p:ph type="sldNum" sz="quarter" idx="12"/>
+          </p:nvPr>
+        </p:nvSpPr>
+        <p:spPr/>
+        <p:txBody>
+          <a:bodyPr/>
+          <a:lstStyle/>
+          <a:p>
+            <a:fld id="{9BF27F29-4B64-4A24-936A-FF41C34C242B}" type="slidenum">
+              <a:rPr lang="en-US" smtClean="0"/>
+              <a:t>60</a:t>
+            </a:fld>
+            <a:endParaRPr lang="en-US"/>
+          </a:p>
+        </p:txBody>
+      </p:sp>
     </p:spTree>
     <p:extLst>
       <p:ext uri="{BB962C8B-B14F-4D97-AF65-F5344CB8AC3E}">
@@ -15256,6 +17298,35 @@
           </a:p>
         </p:txBody>
       </p:sp>
+      <p:sp>
+        <p:nvSpPr>
+          <p:cNvPr id="4" name="Slide Number Placeholder 3">
+            <a:extLst>
+              <a:ext uri="{FF2B5EF4-FFF2-40B4-BE49-F238E27FC236}">
+                <a16:creationId xmlns:a16="http://schemas.microsoft.com/office/drawing/2014/main" id="{5CDCF184-306E-B373-C07E-184A5AD6E22C}"/>
+              </a:ext>
+            </a:extLst>
+          </p:cNvPr>
+          <p:cNvSpPr>
+            <a:spLocks noGrp="1"/>
+          </p:cNvSpPr>
+          <p:nvPr>
+            <p:ph type="sldNum" sz="quarter" idx="12"/>
+          </p:nvPr>
+        </p:nvSpPr>
+        <p:spPr/>
+        <p:txBody>
+          <a:bodyPr/>
+          <a:lstStyle/>
+          <a:p>
+            <a:fld id="{9BF27F29-4B64-4A24-936A-FF41C34C242B}" type="slidenum">
+              <a:rPr lang="en-US" smtClean="0"/>
+              <a:t>61</a:t>
+            </a:fld>
+            <a:endParaRPr lang="en-US"/>
+          </a:p>
+        </p:txBody>
+      </p:sp>
     </p:spTree>
     <p:extLst>
       <p:ext uri="{BB962C8B-B14F-4D97-AF65-F5344CB8AC3E}">
@@ -15339,6 +17410,35 @@
           </a:p>
         </p:txBody>
       </p:sp>
+      <p:sp>
+        <p:nvSpPr>
+          <p:cNvPr id="4" name="Slide Number Placeholder 3">
+            <a:extLst>
+              <a:ext uri="{FF2B5EF4-FFF2-40B4-BE49-F238E27FC236}">
+                <a16:creationId xmlns:a16="http://schemas.microsoft.com/office/drawing/2014/main" id="{0DF447CA-F05C-B3CA-BAC1-B55B0925E9FE}"/>
+              </a:ext>
+            </a:extLst>
+          </p:cNvPr>
+          <p:cNvSpPr>
+            <a:spLocks noGrp="1"/>
+          </p:cNvSpPr>
+          <p:nvPr>
+            <p:ph type="sldNum" sz="quarter" idx="12"/>
+          </p:nvPr>
+        </p:nvSpPr>
+        <p:spPr/>
+        <p:txBody>
+          <a:bodyPr/>
+          <a:lstStyle/>
+          <a:p>
+            <a:fld id="{9BF27F29-4B64-4A24-936A-FF41C34C242B}" type="slidenum">
+              <a:rPr lang="en-US" smtClean="0"/>
+              <a:t>62</a:t>
+            </a:fld>
+            <a:endParaRPr lang="en-US"/>
+          </a:p>
+        </p:txBody>
+      </p:sp>
     </p:spTree>
     <p:extLst>
       <p:ext uri="{BB962C8B-B14F-4D97-AF65-F5344CB8AC3E}">
@@ -15535,6 +17635,35 @@
           </a:p>
         </p:txBody>
       </p:sp>
+      <p:sp>
+        <p:nvSpPr>
+          <p:cNvPr id="4" name="Slide Number Placeholder 3">
+            <a:extLst>
+              <a:ext uri="{FF2B5EF4-FFF2-40B4-BE49-F238E27FC236}">
+                <a16:creationId xmlns:a16="http://schemas.microsoft.com/office/drawing/2014/main" id="{9748E45D-4FE1-9C6B-5617-422BE1F0E497}"/>
+              </a:ext>
+            </a:extLst>
+          </p:cNvPr>
+          <p:cNvSpPr>
+            <a:spLocks noGrp="1"/>
+          </p:cNvSpPr>
+          <p:nvPr>
+            <p:ph type="sldNum" sz="quarter" idx="12"/>
+          </p:nvPr>
+        </p:nvSpPr>
+        <p:spPr/>
+        <p:txBody>
+          <a:bodyPr/>
+          <a:lstStyle/>
+          <a:p>
+            <a:fld id="{9BF27F29-4B64-4A24-936A-FF41C34C242B}" type="slidenum">
+              <a:rPr lang="en-US" smtClean="0"/>
+              <a:t>63</a:t>
+            </a:fld>
+            <a:endParaRPr lang="en-US"/>
+          </a:p>
+        </p:txBody>
+      </p:sp>
     </p:spTree>
     <p:extLst>
       <p:ext uri="{BB962C8B-B14F-4D97-AF65-F5344CB8AC3E}">
@@ -15664,6 +17793,35 @@
           </a:p>
         </p:txBody>
       </p:sp>
+      <p:sp>
+        <p:nvSpPr>
+          <p:cNvPr id="4" name="Slide Number Placeholder 3">
+            <a:extLst>
+              <a:ext uri="{FF2B5EF4-FFF2-40B4-BE49-F238E27FC236}">
+                <a16:creationId xmlns:a16="http://schemas.microsoft.com/office/drawing/2014/main" id="{4EC3AC97-7EF0-FC5F-73D3-0683F9FA076C}"/>
+              </a:ext>
+            </a:extLst>
+          </p:cNvPr>
+          <p:cNvSpPr>
+            <a:spLocks noGrp="1"/>
+          </p:cNvSpPr>
+          <p:nvPr>
+            <p:ph type="sldNum" sz="quarter" idx="12"/>
+          </p:nvPr>
+        </p:nvSpPr>
+        <p:spPr/>
+        <p:txBody>
+          <a:bodyPr/>
+          <a:lstStyle/>
+          <a:p>
+            <a:fld id="{9BF27F29-4B64-4A24-936A-FF41C34C242B}" type="slidenum">
+              <a:rPr lang="en-US" smtClean="0"/>
+              <a:t>64</a:t>
+            </a:fld>
+            <a:endParaRPr lang="en-US"/>
+          </a:p>
+        </p:txBody>
+      </p:sp>
     </p:spTree>
     <p:extLst>
       <p:ext uri="{BB962C8B-B14F-4D97-AF65-F5344CB8AC3E}">
@@ -15786,6 +17944,35 @@
           </a:p>
         </p:txBody>
       </p:sp>
+      <p:sp>
+        <p:nvSpPr>
+          <p:cNvPr id="4" name="Slide Number Placeholder 3">
+            <a:extLst>
+              <a:ext uri="{FF2B5EF4-FFF2-40B4-BE49-F238E27FC236}">
+                <a16:creationId xmlns:a16="http://schemas.microsoft.com/office/drawing/2014/main" id="{0B0B3F2D-FCFC-A856-B323-AF7F734D5114}"/>
+              </a:ext>
+            </a:extLst>
+          </p:cNvPr>
+          <p:cNvSpPr>
+            <a:spLocks noGrp="1"/>
+          </p:cNvSpPr>
+          <p:nvPr>
+            <p:ph type="sldNum" sz="quarter" idx="12"/>
+          </p:nvPr>
+        </p:nvSpPr>
+        <p:spPr/>
+        <p:txBody>
+          <a:bodyPr/>
+          <a:lstStyle/>
+          <a:p>
+            <a:fld id="{9BF27F29-4B64-4A24-936A-FF41C34C242B}" type="slidenum">
+              <a:rPr lang="en-US" smtClean="0"/>
+              <a:t>7</a:t>
+            </a:fld>
+            <a:endParaRPr lang="en-US"/>
+          </a:p>
+        </p:txBody>
+      </p:sp>
     </p:spTree>
     <p:extLst>
       <p:ext uri="{BB962C8B-B14F-4D97-AF65-F5344CB8AC3E}">
@@ -15904,6 +18091,35 @@
           </a:p>
         </p:txBody>
       </p:sp>
+      <p:sp>
+        <p:nvSpPr>
+          <p:cNvPr id="4" name="Slide Number Placeholder 3">
+            <a:extLst>
+              <a:ext uri="{FF2B5EF4-FFF2-40B4-BE49-F238E27FC236}">
+                <a16:creationId xmlns:a16="http://schemas.microsoft.com/office/drawing/2014/main" id="{E921D727-D955-2888-48D4-24B397246C62}"/>
+              </a:ext>
+            </a:extLst>
+          </p:cNvPr>
+          <p:cNvSpPr>
+            <a:spLocks noGrp="1"/>
+          </p:cNvSpPr>
+          <p:nvPr>
+            <p:ph type="sldNum" sz="quarter" idx="12"/>
+          </p:nvPr>
+        </p:nvSpPr>
+        <p:spPr/>
+        <p:txBody>
+          <a:bodyPr/>
+          <a:lstStyle/>
+          <a:p>
+            <a:fld id="{9BF27F29-4B64-4A24-936A-FF41C34C242B}" type="slidenum">
+              <a:rPr lang="en-US" smtClean="0"/>
+              <a:t>8</a:t>
+            </a:fld>
+            <a:endParaRPr lang="en-US"/>
+          </a:p>
+        </p:txBody>
+      </p:sp>
     </p:spTree>
     <p:extLst>
       <p:ext uri="{BB962C8B-B14F-4D97-AF65-F5344CB8AC3E}">
@@ -15984,6 +18200,35 @@
           <a:lstStyle/>
           <a:p>
             <a:endParaRPr lang="en-US" dirty="0"/>
+          </a:p>
+        </p:txBody>
+      </p:sp>
+      <p:sp>
+        <p:nvSpPr>
+          <p:cNvPr id="4" name="Slide Number Placeholder 3">
+            <a:extLst>
+              <a:ext uri="{FF2B5EF4-FFF2-40B4-BE49-F238E27FC236}">
+                <a16:creationId xmlns:a16="http://schemas.microsoft.com/office/drawing/2014/main" id="{ECE54F3B-61B2-2334-97CD-14E45C645EA1}"/>
+              </a:ext>
+            </a:extLst>
+          </p:cNvPr>
+          <p:cNvSpPr>
+            <a:spLocks noGrp="1"/>
+          </p:cNvSpPr>
+          <p:nvPr>
+            <p:ph type="sldNum" sz="quarter" idx="12"/>
+          </p:nvPr>
+        </p:nvSpPr>
+        <p:spPr/>
+        <p:txBody>
+          <a:bodyPr/>
+          <a:lstStyle/>
+          <a:p>
+            <a:fld id="{9BF27F29-4B64-4A24-936A-FF41C34C242B}" type="slidenum">
+              <a:rPr lang="en-US" smtClean="0"/>
+              <a:t>9</a:t>
+            </a:fld>
+            <a:endParaRPr lang="en-US"/>
           </a:p>
         </p:txBody>
       </p:sp>
@@ -16281,4 +18526,319 @@
     </a:ext>
   </a:extLst>
 </a:theme>
+</file>
+
+<file path=ppt/theme/theme2.xml><?xml version="1.0" encoding="utf-8"?>
+<a:theme xmlns:a="http://schemas.openxmlformats.org/drawingml/2006/main" name="Office Theme">
+  <a:themeElements>
+    <a:clrScheme name="Office">
+      <a:dk1>
+        <a:sysClr val="windowText" lastClr="000000"/>
+      </a:dk1>
+      <a:lt1>
+        <a:sysClr val="window" lastClr="FFFFFF"/>
+      </a:lt1>
+      <a:dk2>
+        <a:srgbClr val="0E2841"/>
+      </a:dk2>
+      <a:lt2>
+        <a:srgbClr val="E8E8E8"/>
+      </a:lt2>
+      <a:accent1>
+        <a:srgbClr val="156082"/>
+      </a:accent1>
+      <a:accent2>
+        <a:srgbClr val="E97132"/>
+      </a:accent2>
+      <a:accent3>
+        <a:srgbClr val="196B24"/>
+      </a:accent3>
+      <a:accent4>
+        <a:srgbClr val="0F9ED5"/>
+      </a:accent4>
+      <a:accent5>
+        <a:srgbClr val="A02B93"/>
+      </a:accent5>
+      <a:accent6>
+        <a:srgbClr val="4EA72E"/>
+      </a:accent6>
+      <a:hlink>
+        <a:srgbClr val="467886"/>
+      </a:hlink>
+      <a:folHlink>
+        <a:srgbClr val="96607D"/>
+      </a:folHlink>
+    </a:clrScheme>
+    <a:fontScheme name="Office">
+      <a:majorFont>
+        <a:latin typeface="Aptos Display" panose="02110004020202020204"/>
+        <a:ea typeface=""/>
+        <a:cs typeface=""/>
+        <a:font script="Jpan" typeface="游ゴシック Light"/>
+        <a:font script="Hang" typeface="맑은 고딕"/>
+        <a:font script="Hans" typeface="等线 Light"/>
+        <a:font script="Hant" typeface="新細明體"/>
+        <a:font script="Arab" typeface="Times New Roman"/>
+        <a:font script="Hebr" typeface="Times New Roman"/>
+        <a:font script="Thai" typeface="Angsana New"/>
+        <a:font script="Ethi" typeface="Nyala"/>
+        <a:font script="Beng" typeface="Vrinda"/>
+        <a:font script="Gujr" typeface="Shruti"/>
+        <a:font script="Khmr" typeface="MoolBoran"/>
+        <a:font script="Knda" typeface="Tunga"/>
+        <a:font script="Guru" typeface="Raavi"/>
+        <a:font script="Cans" typeface="Euphemia"/>
+        <a:font script="Cher" typeface="Plantagenet Cherokee"/>
+        <a:font script="Yiii" typeface="Microsoft Yi Baiti"/>
+        <a:font script="Tibt" typeface="Microsoft Himalaya"/>
+        <a:font script="Thaa" typeface="MV Boli"/>
+        <a:font script="Deva" typeface="Mangal"/>
+        <a:font script="Telu" typeface="Gautami"/>
+        <a:font script="Taml" typeface="Latha"/>
+        <a:font script="Syrc" typeface="Estrangelo Edessa"/>
+        <a:font script="Orya" typeface="Kalinga"/>
+        <a:font script="Mlym" typeface="Kartika"/>
+        <a:font script="Laoo" typeface="DokChampa"/>
+        <a:font script="Sinh" typeface="Iskoola Pota"/>
+        <a:font script="Mong" typeface="Mongolian Baiti"/>
+        <a:font script="Viet" typeface="Times New Roman"/>
+        <a:font script="Uigh" typeface="Microsoft Uighur"/>
+        <a:font script="Geor" typeface="Sylfaen"/>
+        <a:font script="Armn" typeface="Arial"/>
+        <a:font script="Bugi" typeface="Leelawadee UI"/>
+        <a:font script="Bopo" typeface="Microsoft JhengHei"/>
+        <a:font script="Java" typeface="Javanese Text"/>
+        <a:font script="Lisu" typeface="Segoe UI"/>
+        <a:font script="Mymr" typeface="Myanmar Text"/>
+        <a:font script="Nkoo" typeface="Ebrima"/>
+        <a:font script="Olck" typeface="Nirmala UI"/>
+        <a:font script="Osma" typeface="Ebrima"/>
+        <a:font script="Phag" typeface="Phagspa"/>
+        <a:font script="Syrn" typeface="Estrangelo Edessa"/>
+        <a:font script="Syrj" typeface="Estrangelo Edessa"/>
+        <a:font script="Syre" typeface="Estrangelo Edessa"/>
+        <a:font script="Sora" typeface="Nirmala UI"/>
+        <a:font script="Tale" typeface="Microsoft Tai Le"/>
+        <a:font script="Talu" typeface="Microsoft New Tai Lue"/>
+        <a:font script="Tfng" typeface="Ebrima"/>
+      </a:majorFont>
+      <a:minorFont>
+        <a:latin typeface="Aptos" panose="02110004020202020204"/>
+        <a:ea typeface=""/>
+        <a:cs typeface=""/>
+        <a:font script="Jpan" typeface="游ゴシック"/>
+        <a:font script="Hang" typeface="맑은 고딕"/>
+        <a:font script="Hans" typeface="等线"/>
+        <a:font script="Hant" typeface="新細明體"/>
+        <a:font script="Arab" typeface="Arial"/>
+        <a:font script="Hebr" typeface="Arial"/>
+        <a:font script="Thai" typeface="Cordia New"/>
+        <a:font script="Ethi" typeface="Nyala"/>
+        <a:font script="Beng" typeface="Vrinda"/>
+        <a:font script="Gujr" typeface="Shruti"/>
+        <a:font script="Khmr" typeface="DaunPenh"/>
+        <a:font script="Knda" typeface="Tunga"/>
+        <a:font script="Guru" typeface="Raavi"/>
+        <a:font script="Cans" typeface="Euphemia"/>
+        <a:font script="Cher" typeface="Plantagenet Cherokee"/>
+        <a:font script="Yiii" typeface="Microsoft Yi Baiti"/>
+        <a:font script="Tibt" typeface="Microsoft Himalaya"/>
+        <a:font script="Thaa" typeface="MV Boli"/>
+        <a:font script="Deva" typeface="Mangal"/>
+        <a:font script="Telu" typeface="Gautami"/>
+        <a:font script="Taml" typeface="Latha"/>
+        <a:font script="Syrc" typeface="Estrangelo Edessa"/>
+        <a:font script="Orya" typeface="Kalinga"/>
+        <a:font script="Mlym" typeface="Kartika"/>
+        <a:font script="Laoo" typeface="DokChampa"/>
+        <a:font script="Sinh" typeface="Iskoola Pota"/>
+        <a:font script="Mong" typeface="Mongolian Baiti"/>
+        <a:font script="Viet" typeface="Arial"/>
+        <a:font script="Uigh" typeface="Microsoft Uighur"/>
+        <a:font script="Geor" typeface="Sylfaen"/>
+        <a:font script="Armn" typeface="Arial"/>
+        <a:font script="Bugi" typeface="Leelawadee UI"/>
+        <a:font script="Bopo" typeface="Microsoft JhengHei"/>
+        <a:font script="Java" typeface="Javanese Text"/>
+        <a:font script="Lisu" typeface="Segoe UI"/>
+        <a:font script="Mymr" typeface="Myanmar Text"/>
+        <a:font script="Nkoo" typeface="Ebrima"/>
+        <a:font script="Olck" typeface="Nirmala UI"/>
+        <a:font script="Osma" typeface="Ebrima"/>
+        <a:font script="Phag" typeface="Phagspa"/>
+        <a:font script="Syrn" typeface="Estrangelo Edessa"/>
+        <a:font script="Syrj" typeface="Estrangelo Edessa"/>
+        <a:font script="Syre" typeface="Estrangelo Edessa"/>
+        <a:font script="Sora" typeface="Nirmala UI"/>
+        <a:font script="Tale" typeface="Microsoft Tai Le"/>
+        <a:font script="Talu" typeface="Microsoft New Tai Lue"/>
+        <a:font script="Tfng" typeface="Ebrima"/>
+      </a:minorFont>
+    </a:fontScheme>
+    <a:fmtScheme name="Office">
+      <a:fillStyleLst>
+        <a:solidFill>
+          <a:schemeClr val="phClr"/>
+        </a:solidFill>
+        <a:gradFill rotWithShape="1">
+          <a:gsLst>
+            <a:gs pos="0">
+              <a:schemeClr val="phClr">
+                <a:lumMod val="110000"/>
+                <a:satMod val="105000"/>
+                <a:tint val="67000"/>
+              </a:schemeClr>
+            </a:gs>
+            <a:gs pos="50000">
+              <a:schemeClr val="phClr">
+                <a:lumMod val="105000"/>
+                <a:satMod val="103000"/>
+                <a:tint val="73000"/>
+              </a:schemeClr>
+            </a:gs>
+            <a:gs pos="100000">
+              <a:schemeClr val="phClr">
+                <a:lumMod val="105000"/>
+                <a:satMod val="109000"/>
+                <a:tint val="81000"/>
+              </a:schemeClr>
+            </a:gs>
+          </a:gsLst>
+          <a:lin ang="5400000" scaled="0"/>
+        </a:gradFill>
+        <a:gradFill rotWithShape="1">
+          <a:gsLst>
+            <a:gs pos="0">
+              <a:schemeClr val="phClr">
+                <a:satMod val="103000"/>
+                <a:lumMod val="102000"/>
+                <a:tint val="94000"/>
+              </a:schemeClr>
+            </a:gs>
+            <a:gs pos="50000">
+              <a:schemeClr val="phClr">
+                <a:satMod val="110000"/>
+                <a:lumMod val="100000"/>
+                <a:shade val="100000"/>
+              </a:schemeClr>
+            </a:gs>
+            <a:gs pos="100000">
+              <a:schemeClr val="phClr">
+                <a:lumMod val="99000"/>
+                <a:satMod val="120000"/>
+                <a:shade val="78000"/>
+              </a:schemeClr>
+            </a:gs>
+          </a:gsLst>
+          <a:lin ang="5400000" scaled="0"/>
+        </a:gradFill>
+      </a:fillStyleLst>
+      <a:lnStyleLst>
+        <a:ln w="12700" cap="flat" cmpd="sng" algn="ctr">
+          <a:solidFill>
+            <a:schemeClr val="phClr"/>
+          </a:solidFill>
+          <a:prstDash val="solid"/>
+          <a:miter lim="800000"/>
+        </a:ln>
+        <a:ln w="19050" cap="flat" cmpd="sng" algn="ctr">
+          <a:solidFill>
+            <a:schemeClr val="phClr"/>
+          </a:solidFill>
+          <a:prstDash val="solid"/>
+          <a:miter lim="800000"/>
+        </a:ln>
+        <a:ln w="25400" cap="flat" cmpd="sng" algn="ctr">
+          <a:solidFill>
+            <a:schemeClr val="phClr"/>
+          </a:solidFill>
+          <a:prstDash val="solid"/>
+          <a:miter lim="800000"/>
+        </a:ln>
+      </a:lnStyleLst>
+      <a:effectStyleLst>
+        <a:effectStyle>
+          <a:effectLst/>
+        </a:effectStyle>
+        <a:effectStyle>
+          <a:effectLst/>
+        </a:effectStyle>
+        <a:effectStyle>
+          <a:effectLst>
+            <a:outerShdw blurRad="57150" dist="19050" dir="5400000" algn="ctr" rotWithShape="0">
+              <a:srgbClr val="000000">
+                <a:alpha val="63000"/>
+              </a:srgbClr>
+            </a:outerShdw>
+          </a:effectLst>
+        </a:effectStyle>
+      </a:effectStyleLst>
+      <a:bgFillStyleLst>
+        <a:solidFill>
+          <a:schemeClr val="phClr"/>
+        </a:solidFill>
+        <a:solidFill>
+          <a:schemeClr val="phClr">
+            <a:tint val="95000"/>
+            <a:satMod val="170000"/>
+          </a:schemeClr>
+        </a:solidFill>
+        <a:gradFill rotWithShape="1">
+          <a:gsLst>
+            <a:gs pos="0">
+              <a:schemeClr val="phClr">
+                <a:tint val="93000"/>
+                <a:satMod val="150000"/>
+                <a:shade val="98000"/>
+                <a:lumMod val="102000"/>
+              </a:schemeClr>
+            </a:gs>
+            <a:gs pos="50000">
+              <a:schemeClr val="phClr">
+                <a:tint val="98000"/>
+                <a:satMod val="130000"/>
+                <a:shade val="90000"/>
+                <a:lumMod val="103000"/>
+              </a:schemeClr>
+            </a:gs>
+            <a:gs pos="100000">
+              <a:schemeClr val="phClr">
+                <a:shade val="63000"/>
+                <a:satMod val="120000"/>
+              </a:schemeClr>
+            </a:gs>
+          </a:gsLst>
+          <a:lin ang="5400000" scaled="0"/>
+        </a:gradFill>
+      </a:bgFillStyleLst>
+    </a:fmtScheme>
+  </a:themeElements>
+  <a:objectDefaults>
+    <a:lnDef>
+      <a:spPr/>
+      <a:bodyPr/>
+      <a:lstStyle/>
+      <a:style>
+        <a:lnRef idx="2">
+          <a:schemeClr val="accent1"/>
+        </a:lnRef>
+        <a:fillRef idx="0">
+          <a:schemeClr val="accent1"/>
+        </a:fillRef>
+        <a:effectRef idx="1">
+          <a:schemeClr val="accent1"/>
+        </a:effectRef>
+        <a:fontRef idx="minor">
+          <a:schemeClr val="tx1"/>
+        </a:fontRef>
+      </a:style>
+    </a:lnDef>
+  </a:objectDefaults>
+  <a:extraClrSchemeLst/>
+  <a:extLst>
+    <a:ext uri="{05A4C25C-085E-4340-85A3-A5531E510DB2}">
+      <thm15:themeFamily xmlns:thm15="http://schemas.microsoft.com/office/thememl/2012/main" name="Office Theme" id="{2E142A2C-CD16-42D6-873A-C26D2A0506FA}" vid="{1BDDFF52-6CD6-40A5-AB3C-68EB2F1E4D0A}"/>
+    </a:ext>
+  </a:extLst>
+</a:theme>
 </file>
--- a/LectureSlides/01Rust.pptx
+++ b/LectureSlides/01Rust.pptx
@@ -260,7 +260,7 @@
           <a:p>
             <a:fld id="{1935A499-2718-4E21-9189-B225F36281DF}" type="datetimeFigureOut">
               <a:rPr lang="en-US" smtClean="0"/>
-              <a:t>10/20/2024</a:t>
+              <a:t>10/28/2024</a:t>
             </a:fld>
             <a:endParaRPr lang="en-US"/>
           </a:p>
@@ -751,7 +751,7 @@
           <a:p>
             <a:fld id="{7ED1D969-CA5A-4E7D-8836-6A861131C5DB}" type="datetime1">
               <a:rPr lang="en-US" smtClean="0"/>
-              <a:t>10/20/2024</a:t>
+              <a:t>10/28/2024</a:t>
             </a:fld>
             <a:endParaRPr lang="en-US"/>
           </a:p>
@@ -959,7 +959,7 @@
           <a:p>
             <a:fld id="{B50A2AF3-6851-4BD6-A66F-DDC658668A9B}" type="datetime1">
               <a:rPr lang="en-US" smtClean="0"/>
-              <a:t>10/20/2024</a:t>
+              <a:t>10/28/2024</a:t>
             </a:fld>
             <a:endParaRPr lang="en-US"/>
           </a:p>
@@ -1215,7 +1215,7 @@
           <a:p>
             <a:fld id="{CA18A463-958C-4F4B-8E9C-5DBAA4CBA575}" type="datetime1">
               <a:rPr lang="en-US" smtClean="0"/>
-              <a:t>10/20/2024</a:t>
+              <a:t>10/28/2024</a:t>
             </a:fld>
             <a:endParaRPr lang="en-US"/>
           </a:p>
@@ -1400,7 +1400,7 @@
           <a:p>
             <a:fld id="{F0F6E17C-61BF-4395-9125-421877C95553}" type="datetime1">
               <a:rPr lang="en-US" smtClean="0"/>
-              <a:t>10/20/2024</a:t>
+              <a:t>10/28/2024</a:t>
             </a:fld>
             <a:endParaRPr lang="en-US"/>
           </a:p>
@@ -1743,7 +1743,7 @@
           <a:p>
             <a:fld id="{BA04B332-5926-4D67-B0C7-844DF0D44CC6}" type="datetime1">
               <a:rPr lang="en-US" smtClean="0"/>
-              <a:t>10/20/2024</a:t>
+              <a:t>10/28/2024</a:t>
             </a:fld>
             <a:endParaRPr lang="en-US"/>
           </a:p>
@@ -2048,7 +2048,7 @@
           <a:p>
             <a:fld id="{89E0283A-0129-4F5B-A65A-7EF536522C87}" type="datetime1">
               <a:rPr lang="en-US" smtClean="0"/>
-              <a:t>10/20/2024</a:t>
+              <a:t>10/28/2024</a:t>
             </a:fld>
             <a:endParaRPr lang="en-US"/>
           </a:p>
@@ -2457,7 +2457,7 @@
           <a:p>
             <a:fld id="{780EB0A3-576D-48C6-BD4C-0E155D216784}" type="datetime1">
               <a:rPr lang="en-US" smtClean="0"/>
-              <a:t>10/20/2024</a:t>
+              <a:t>10/28/2024</a:t>
             </a:fld>
             <a:endParaRPr lang="en-US"/>
           </a:p>
@@ -2575,7 +2575,7 @@
           <a:p>
             <a:fld id="{86DFE706-FE72-4D96-9E36-C798828A3102}" type="datetime1">
               <a:rPr lang="en-US" smtClean="0"/>
-              <a:t>10/20/2024</a:t>
+              <a:t>10/28/2024</a:t>
             </a:fld>
             <a:endParaRPr lang="en-US"/>
           </a:p>
@@ -2746,7 +2746,7 @@
           <a:p>
             <a:fld id="{21752048-6F10-4768-8FEB-297451A84156}" type="datetime1">
               <a:rPr lang="en-US" smtClean="0"/>
-              <a:t>10/20/2024</a:t>
+              <a:t>10/28/2024</a:t>
             </a:fld>
             <a:endParaRPr lang="en-US"/>
           </a:p>
@@ -3115,7 +3115,7 @@
           <a:p>
             <a:fld id="{5D664C85-27CA-4FBF-93CB-D51A4A471E07}" type="datetime1">
               <a:rPr lang="en-US" smtClean="0"/>
-              <a:t>10/20/2024</a:t>
+              <a:t>10/28/2024</a:t>
             </a:fld>
             <a:endParaRPr lang="en-US"/>
           </a:p>
@@ -3492,7 +3492,7 @@
           <a:p>
             <a:fld id="{00AB68AE-60DD-46B6-88A6-96C02864976B}" type="datetime1">
               <a:rPr lang="en-US" smtClean="0"/>
-              <a:t>10/20/2024</a:t>
+              <a:t>10/28/2024</a:t>
             </a:fld>
             <a:endParaRPr lang="en-US"/>
           </a:p>
@@ -3779,7 +3779,7 @@
           <a:p>
             <a:fld id="{AF6C9163-F6B6-4F39-BAFE-DE93E258B06B}" type="datetime1">
               <a:rPr lang="en-US" smtClean="0"/>
-              <a:t>10/20/2024</a:t>
+              <a:t>10/28/2024</a:t>
             </a:fld>
             <a:endParaRPr lang="en-US"/>
           </a:p>
